--- a/static/image/medium_post.pptx
+++ b/static/image/medium_post.pptx
@@ -263,7 +263,7 @@
           <a:p>
             <a:fld id="{B90DB37A-D407-2D4E-960B-4BBBC2D3C59C}" type="datetimeFigureOut">
               <a:rPr lang="en-US" smtClean="0"/>
-              <a:t>12/4/20</a:t>
+              <a:t>12/23/20</a:t>
             </a:fld>
             <a:endParaRPr lang="en-US"/>
           </a:p>
@@ -461,7 +461,7 @@
           <a:p>
             <a:fld id="{B90DB37A-D407-2D4E-960B-4BBBC2D3C59C}" type="datetimeFigureOut">
               <a:rPr lang="en-US" smtClean="0"/>
-              <a:t>12/4/20</a:t>
+              <a:t>12/23/20</a:t>
             </a:fld>
             <a:endParaRPr lang="en-US"/>
           </a:p>
@@ -669,7 +669,7 @@
           <a:p>
             <a:fld id="{B90DB37A-D407-2D4E-960B-4BBBC2D3C59C}" type="datetimeFigureOut">
               <a:rPr lang="en-US" smtClean="0"/>
-              <a:t>12/4/20</a:t>
+              <a:t>12/23/20</a:t>
             </a:fld>
             <a:endParaRPr lang="en-US"/>
           </a:p>
@@ -867,7 +867,7 @@
           <a:p>
             <a:fld id="{B90DB37A-D407-2D4E-960B-4BBBC2D3C59C}" type="datetimeFigureOut">
               <a:rPr lang="en-US" smtClean="0"/>
-              <a:t>12/4/20</a:t>
+              <a:t>12/23/20</a:t>
             </a:fld>
             <a:endParaRPr lang="en-US"/>
           </a:p>
@@ -1142,7 +1142,7 @@
           <a:p>
             <a:fld id="{B90DB37A-D407-2D4E-960B-4BBBC2D3C59C}" type="datetimeFigureOut">
               <a:rPr lang="en-US" smtClean="0"/>
-              <a:t>12/4/20</a:t>
+              <a:t>12/23/20</a:t>
             </a:fld>
             <a:endParaRPr lang="en-US"/>
           </a:p>
@@ -1407,7 +1407,7 @@
           <a:p>
             <a:fld id="{B90DB37A-D407-2D4E-960B-4BBBC2D3C59C}" type="datetimeFigureOut">
               <a:rPr lang="en-US" smtClean="0"/>
-              <a:t>12/4/20</a:t>
+              <a:t>12/23/20</a:t>
             </a:fld>
             <a:endParaRPr lang="en-US"/>
           </a:p>
@@ -1819,7 +1819,7 @@
           <a:p>
             <a:fld id="{B90DB37A-D407-2D4E-960B-4BBBC2D3C59C}" type="datetimeFigureOut">
               <a:rPr lang="en-US" smtClean="0"/>
-              <a:t>12/4/20</a:t>
+              <a:t>12/23/20</a:t>
             </a:fld>
             <a:endParaRPr lang="en-US"/>
           </a:p>
@@ -1960,7 +1960,7 @@
           <a:p>
             <a:fld id="{B90DB37A-D407-2D4E-960B-4BBBC2D3C59C}" type="datetimeFigureOut">
               <a:rPr lang="en-US" smtClean="0"/>
-              <a:t>12/4/20</a:t>
+              <a:t>12/23/20</a:t>
             </a:fld>
             <a:endParaRPr lang="en-US"/>
           </a:p>
@@ -2073,7 +2073,7 @@
           <a:p>
             <a:fld id="{B90DB37A-D407-2D4E-960B-4BBBC2D3C59C}" type="datetimeFigureOut">
               <a:rPr lang="en-US" smtClean="0"/>
-              <a:t>12/4/20</a:t>
+              <a:t>12/23/20</a:t>
             </a:fld>
             <a:endParaRPr lang="en-US"/>
           </a:p>
@@ -2384,7 +2384,7 @@
           <a:p>
             <a:fld id="{B90DB37A-D407-2D4E-960B-4BBBC2D3C59C}" type="datetimeFigureOut">
               <a:rPr lang="en-US" smtClean="0"/>
-              <a:t>12/4/20</a:t>
+              <a:t>12/23/20</a:t>
             </a:fld>
             <a:endParaRPr lang="en-US"/>
           </a:p>
@@ -2672,7 +2672,7 @@
           <a:p>
             <a:fld id="{B90DB37A-D407-2D4E-960B-4BBBC2D3C59C}" type="datetimeFigureOut">
               <a:rPr lang="en-US" smtClean="0"/>
-              <a:t>12/4/20</a:t>
+              <a:t>12/23/20</a:t>
             </a:fld>
             <a:endParaRPr lang="en-US"/>
           </a:p>
@@ -2913,7 +2913,7 @@
           <a:p>
             <a:fld id="{B90DB37A-D407-2D4E-960B-4BBBC2D3C59C}" type="datetimeFigureOut">
               <a:rPr lang="en-US" smtClean="0"/>
-              <a:t>12/4/20</a:t>
+              <a:t>12/23/20</a:t>
             </a:fld>
             <a:endParaRPr lang="en-US"/>
           </a:p>
@@ -5266,7 +5266,7 @@
                   <a:ea typeface="+mn-ea"/>
                   <a:cs typeface="+mn-cs"/>
                 </a:rPr>
-                <a:t>Anyone with a network connection should be able to make a request to the API. The format of the request should be clearly documented and communicated. An important part to consider will be the transformation of </a:t>
+                <a:t>Anyone with a network connection should be able to make a request to the API. The format of the query parameters should be clearly documented and communicated. An important part to consider will be the transformation of </a:t>
               </a:r>
               <a:r>
                 <a:rPr lang="en-US" sz="1350" dirty="0">
@@ -5275,7 +5275,7 @@
                   </a:solidFill>
                   <a:latin typeface="Calibri" panose="020F0502020204030204"/>
                 </a:rPr>
-                <a:t>query parameters to the proper shape that the Machine Learning model is expecting. Turning Machine Learning models into APIs allow users and other developers to make requests as needed. </a:t>
+                <a:t>query parameters to the proper shape that the Machine Learning model expects. Turning Machine Learning models into APIs allow users and other developers to make requests as needed. </a:t>
               </a:r>
               <a:endParaRPr kumimoji="0" lang="en-US" sz="1350" b="0" i="0" u="none" strike="noStrike" kern="1200" cap="none" spc="0" normalizeH="0" baseline="0" noProof="0" dirty="0">
                 <a:ln>
@@ -5308,8 +5308,8 @@
           </p:nvSpPr>
           <p:spPr>
             <a:xfrm>
-              <a:off x="8218280" y="3545765"/>
-              <a:ext cx="1202969" cy="415498"/>
+              <a:off x="7956332" y="3556275"/>
+              <a:ext cx="1464918" cy="415498"/>
             </a:xfrm>
             <a:prstGeom prst="rect">
               <a:avLst/>
@@ -5354,7 +5354,7 @@
                   <a:ea typeface="+mn-ea"/>
                   <a:cs typeface="+mn-cs"/>
                 </a:rPr>
-                <a:t>Results are Returned as JSON for Downstream Consumption </a:t>
+                <a:t>Results are Returned in JSON format for Downstream Consumption </a:t>
               </a:r>
             </a:p>
           </p:txBody>
@@ -5769,7 +5769,7 @@
           <p:spPr>
             <a:xfrm>
               <a:off x="4867876" y="4370664"/>
-              <a:ext cx="1139916" cy="138499"/>
+              <a:ext cx="1139916" cy="276999"/>
             </a:xfrm>
             <a:prstGeom prst="rect">
               <a:avLst/>
@@ -5814,7 +5814,7 @@
                   <a:ea typeface="+mn-ea"/>
                   <a:cs typeface="+mn-cs"/>
                 </a:rPr>
-                <a:t>Initiate Request at URL</a:t>
+                <a:t>Initiate Request at URL includes User Inputs</a:t>
               </a:r>
             </a:p>
           </p:txBody>
@@ -6301,9 +6301,9 @@
             <p:nvPr/>
           </p:nvCxnSpPr>
           <p:spPr>
-            <a:xfrm flipV="1">
-              <a:off x="8244444" y="4049166"/>
-              <a:ext cx="1600200" cy="0"/>
+            <a:xfrm>
+              <a:off x="7956331" y="4049166"/>
+              <a:ext cx="1888313" cy="0"/>
             </a:xfrm>
             <a:prstGeom prst="straightConnector1">
               <a:avLst/>
@@ -6349,8 +6349,8 @@
           </p:nvCxnSpPr>
           <p:spPr>
             <a:xfrm flipH="1">
-              <a:off x="8244444" y="4177720"/>
-              <a:ext cx="1600200" cy="5028"/>
+              <a:off x="7956331" y="4177720"/>
+              <a:ext cx="1888313" cy="0"/>
             </a:xfrm>
             <a:prstGeom prst="straightConnector1">
               <a:avLst/>
@@ -6394,8 +6394,8 @@
           </p:nvSpPr>
           <p:spPr>
             <a:xfrm>
-              <a:off x="8699585" y="4278302"/>
-              <a:ext cx="1145059" cy="415498"/>
+              <a:off x="8423672" y="4278302"/>
+              <a:ext cx="1420972" cy="415498"/>
             </a:xfrm>
             <a:prstGeom prst="rect">
               <a:avLst/>
@@ -6496,7 +6496,7 @@
           </p:blipFill>
           <p:spPr>
             <a:xfrm>
-              <a:off x="8244444" y="4257451"/>
+              <a:off x="7950156" y="4257451"/>
               <a:ext cx="457200" cy="457200"/>
             </a:xfrm>
             <a:prstGeom prst="rect">
@@ -6746,25 +6746,7 @@
                     </a:solidFill>
                     <a:latin typeface="Calibri" panose="020F0502020204030204"/>
                   </a:rPr>
-                  <a:t>goes through the standard Machine Learning Workflow for </a:t>
-                </a:r>
-                <a:r>
-                  <a:rPr lang="en-US" sz="1100" dirty="0" err="1">
-                    <a:solidFill>
-                      <a:prstClr val="black"/>
-                    </a:solidFill>
-                    <a:latin typeface="Calibri" panose="020F0502020204030204"/>
-                  </a:rPr>
-                  <a:t>developement</a:t>
-                </a:r>
-                <a:r>
-                  <a:rPr lang="en-US" sz="1100" dirty="0">
-                    <a:solidFill>
-                      <a:prstClr val="black"/>
-                    </a:solidFill>
-                    <a:latin typeface="Calibri" panose="020F0502020204030204"/>
-                  </a:rPr>
-                  <a:t>. Once it has been trained and tuned, it can be persisted for later use. The Flask App </a:t>
+                  <a:t>follows the standard workflow for development. Once it has been trained and tuned, it is persisted for later use. The Flask App </a:t>
                 </a:r>
                 <a:r>
                   <a:rPr kumimoji="0" lang="en-US" sz="1100" b="0" i="0" u="none" strike="noStrike" kern="1200" cap="none" spc="0" normalizeH="0" baseline="0" noProof="0" dirty="0">
@@ -6781,7 +6763,7 @@
                     <a:ea typeface="+mn-ea"/>
                     <a:cs typeface="+mn-cs"/>
                   </a:rPr>
-                  <a:t>uses a @app.route decorator to build the URL endpoint that will call the model with new inputs. </a:t>
+                  <a:t>uses a @app.route decorator to build the URL endpoint that will pass inputs to the model and return the output. </a:t>
                 </a:r>
               </a:p>
             </p:txBody>
@@ -7129,14 +7111,14 @@
           <p:nvPr>
             <p:extLst>
               <p:ext uri="{D42A27DB-BD31-4B8C-83A1-F6EECF244321}">
-                <p14:modId xmlns:p14="http://schemas.microsoft.com/office/powerpoint/2010/main" val="2938442063"/>
+                <p14:modId xmlns:p14="http://schemas.microsoft.com/office/powerpoint/2010/main" val="1867655772"/>
               </p:ext>
             </p:extLst>
           </p:nvPr>
         </p:nvGraphicFramePr>
         <p:xfrm>
           <a:off x="2032000" y="719666"/>
-          <a:ext cx="8127999" cy="1854200"/>
+          <a:ext cx="8127999" cy="2225040"/>
         </p:xfrm>
         <a:graphic>
           <a:graphicData uri="http://schemas.openxmlformats.org/drawingml/2006/table">
@@ -7174,9 +7156,10 @@
                     <a:lstStyle/>
                     <a:p>
                       <a:r>
-                        <a:rPr lang="en-US" dirty="0"/>
-                        <a:t>Flask Demo</a:t>
+                        <a:rPr lang="en-US" dirty="0" err="1"/>
+                        <a:t>Salary_Prediction</a:t>
                       </a:r>
+                      <a:endParaRPr lang="en-US" dirty="0"/>
                     </a:p>
                   </a:txBody>
                   <a:tcPr>
@@ -7548,12 +7531,9 @@
                       </a:r>
                       <a:r>
                         <a:rPr lang="en-US" dirty="0" err="1"/>
-                        <a:t>ml_model.pkl</a:t>
+                        <a:t>final_model.sav</a:t>
                       </a:r>
-                      <a:r>
-                        <a:rPr lang="en-US" dirty="0"/>
-                        <a:t> </a:t>
-                      </a:r>
+                      <a:endParaRPr lang="en-US" dirty="0"/>
                     </a:p>
                   </a:txBody>
                   <a:tcPr>
@@ -7722,7 +7702,7 @@
                       </a:r>
                       <a:r>
                         <a:rPr lang="en-US" dirty="0" err="1"/>
-                        <a:t>make_prediction.py</a:t>
+                        <a:t>input_columns.sav</a:t>
                       </a:r>
                       <a:endParaRPr lang="en-US" dirty="0"/>
                     </a:p>
@@ -7810,6 +7790,165 @@
                       <a:noFill/>
                     </a:lnT>
                     <a:lnB w="12700" cap="flat" cmpd="sng" algn="ctr">
+                      <a:noFill/>
+                      <a:prstDash val="solid"/>
+                      <a:round/>
+                      <a:headEnd type="none" w="med" len="med"/>
+                      <a:tailEnd type="none" w="med" len="med"/>
+                    </a:lnB>
+                    <a:lnTlToBr w="12700" cmpd="sng">
+                      <a:noFill/>
+                      <a:prstDash val="solid"/>
+                    </a:lnTlToBr>
+                    <a:lnBlToTr w="12700" cmpd="sng">
+                      <a:noFill/>
+                      <a:prstDash val="solid"/>
+                    </a:lnBlToTr>
+                    <a:noFill/>
+                  </a:tcPr>
+                </a:tc>
+                <a:tc>
+                  <a:txBody>
+                    <a:bodyPr/>
+                    <a:lstStyle/>
+                    <a:p>
+                      <a:endParaRPr lang="en-US" dirty="0"/>
+                    </a:p>
+                  </a:txBody>
+                  <a:tcPr>
+                    <a:lnL w="12700" cap="flat" cmpd="sng" algn="ctr">
+                      <a:solidFill>
+                        <a:schemeClr val="tx1"/>
+                      </a:solidFill>
+                      <a:prstDash val="solid"/>
+                      <a:round/>
+                      <a:headEnd type="none" w="med" len="med"/>
+                      <a:tailEnd type="none" w="med" len="med"/>
+                    </a:lnL>
+                    <a:lnR w="12700" cap="flat" cmpd="sng" algn="ctr">
+                      <a:solidFill>
+                        <a:schemeClr val="tx1"/>
+                      </a:solidFill>
+                      <a:prstDash val="solid"/>
+                      <a:round/>
+                      <a:headEnd type="none" w="med" len="med"/>
+                      <a:tailEnd type="none" w="med" len="med"/>
+                    </a:lnR>
+                    <a:lnT w="12700" cmpd="sng">
+                      <a:noFill/>
+                    </a:lnT>
+                    <a:lnB w="12700" cap="flat" cmpd="sng" algn="ctr">
+                      <a:noFill/>
+                      <a:prstDash val="solid"/>
+                      <a:round/>
+                      <a:headEnd type="none" w="med" len="med"/>
+                      <a:tailEnd type="none" w="med" len="med"/>
+                    </a:lnB>
+                    <a:lnTlToBr w="12700" cmpd="sng">
+                      <a:noFill/>
+                      <a:prstDash val="solid"/>
+                    </a:lnTlToBr>
+                    <a:lnBlToTr w="12700" cmpd="sng">
+                      <a:noFill/>
+                      <a:prstDash val="solid"/>
+                    </a:lnBlToTr>
+                    <a:noFill/>
+                  </a:tcPr>
+                </a:tc>
+                <a:tc>
+                  <a:txBody>
+                    <a:bodyPr/>
+                    <a:lstStyle/>
+                    <a:p>
+                      <a:r>
+                        <a:rPr lang="en-US" dirty="0"/>
+                        <a:t>    </a:t>
+                      </a:r>
+                      <a:r>
+                        <a:rPr lang="en-US" dirty="0" err="1"/>
+                        <a:t>input_scaler.sav</a:t>
+                      </a:r>
+                      <a:endParaRPr lang="en-US" dirty="0"/>
+                    </a:p>
+                  </a:txBody>
+                  <a:tcPr>
+                    <a:lnL w="12700" cap="flat" cmpd="sng" algn="ctr">
+                      <a:solidFill>
+                        <a:schemeClr val="tx1"/>
+                      </a:solidFill>
+                      <a:prstDash val="solid"/>
+                      <a:round/>
+                      <a:headEnd type="none" w="med" len="med"/>
+                      <a:tailEnd type="none" w="med" len="med"/>
+                    </a:lnL>
+                    <a:lnR w="12700" cap="flat" cmpd="sng" algn="ctr">
+                      <a:solidFill>
+                        <a:schemeClr val="tx1"/>
+                      </a:solidFill>
+                      <a:prstDash val="solid"/>
+                      <a:round/>
+                      <a:headEnd type="none" w="med" len="med"/>
+                      <a:tailEnd type="none" w="med" len="med"/>
+                    </a:lnR>
+                    <a:lnT w="12700" cmpd="sng">
+                      <a:noFill/>
+                    </a:lnT>
+                    <a:lnB w="12700" cap="flat" cmpd="sng" algn="ctr">
+                      <a:noFill/>
+                      <a:prstDash val="solid"/>
+                      <a:round/>
+                      <a:headEnd type="none" w="med" len="med"/>
+                      <a:tailEnd type="none" w="med" len="med"/>
+                    </a:lnB>
+                    <a:lnTlToBr w="12700" cmpd="sng">
+                      <a:noFill/>
+                      <a:prstDash val="solid"/>
+                    </a:lnTlToBr>
+                    <a:lnBlToTr w="12700" cmpd="sng">
+                      <a:noFill/>
+                      <a:prstDash val="solid"/>
+                    </a:lnBlToTr>
+                    <a:noFill/>
+                  </a:tcPr>
+                </a:tc>
+                <a:extLst>
+                  <a:ext uri="{0D108BD9-81ED-4DB2-BD59-A6C34878D82A}">
+                    <a16:rowId xmlns:a16="http://schemas.microsoft.com/office/drawing/2014/main" val="2656639217"/>
+                  </a:ext>
+                </a:extLst>
+              </a:tr>
+              <a:tr h="370840">
+                <a:tc>
+                  <a:txBody>
+                    <a:bodyPr/>
+                    <a:lstStyle/>
+                    <a:p>
+                      <a:endParaRPr lang="en-US" dirty="0"/>
+                    </a:p>
+                  </a:txBody>
+                  <a:tcPr>
+                    <a:lnL w="12700" cap="flat" cmpd="sng" algn="ctr">
+                      <a:solidFill>
+                        <a:schemeClr val="tx1"/>
+                      </a:solidFill>
+                      <a:prstDash val="solid"/>
+                      <a:round/>
+                      <a:headEnd type="none" w="med" len="med"/>
+                      <a:tailEnd type="none" w="med" len="med"/>
+                    </a:lnL>
+                    <a:lnR w="12700" cap="flat" cmpd="sng" algn="ctr">
+                      <a:solidFill>
+                        <a:schemeClr val="tx1"/>
+                      </a:solidFill>
+                      <a:prstDash val="solid"/>
+                      <a:round/>
+                      <a:headEnd type="none" w="med" len="med"/>
+                      <a:tailEnd type="none" w="med" len="med"/>
+                    </a:lnR>
+                    <a:lnT w="12700" cmpd="sng">
+                      <a:noFill/>
+                    </a:lnT>
+                    <a:lnB w="12700" cap="flat" cmpd="sng" algn="ctr">
                       <a:solidFill>
                         <a:schemeClr val="tx1"/>
                       </a:solidFill>
@@ -7826,7 +7965,12 @@
                       <a:noFill/>
                       <a:prstDash val="solid"/>
                     </a:lnBlToTr>
-                    <a:noFill/>
+                    <a:solidFill>
+                      <a:schemeClr val="accent1">
+                        <a:lumMod val="20000"/>
+                        <a:lumOff val="80000"/>
+                      </a:schemeClr>
+                    </a:solidFill>
                   </a:tcPr>
                 </a:tc>
                 <a:tc>
@@ -7876,7 +8020,12 @@
                       <a:noFill/>
                       <a:prstDash val="solid"/>
                     </a:lnBlToTr>
-                    <a:noFill/>
+                    <a:solidFill>
+                      <a:schemeClr val="accent1">
+                        <a:lumMod val="20000"/>
+                        <a:lumOff val="80000"/>
+                      </a:schemeClr>
+                    </a:solidFill>
                   </a:tcPr>
                 </a:tc>
                 <a:tc>
@@ -7890,7 +8039,7 @@
                       </a:r>
                       <a:r>
                         <a:rPr lang="en-US" dirty="0" err="1"/>
-                        <a:t>input_format.pkl</a:t>
+                        <a:t>input_dictionary.json</a:t>
                       </a:r>
                       <a:endParaRPr lang="en-US" dirty="0"/>
                     </a:p>
@@ -7934,12 +8083,17 @@
                       <a:noFill/>
                       <a:prstDash val="solid"/>
                     </a:lnBlToTr>
-                    <a:noFill/>
+                    <a:solidFill>
+                      <a:schemeClr val="accent1">
+                        <a:lumMod val="20000"/>
+                        <a:lumOff val="80000"/>
+                      </a:schemeClr>
+                    </a:solidFill>
                   </a:tcPr>
                 </a:tc>
                 <a:extLst>
                   <a:ext uri="{0D108BD9-81ED-4DB2-BD59-A6C34878D82A}">
-                    <a16:rowId xmlns:a16="http://schemas.microsoft.com/office/drawing/2014/main" val="2656639217"/>
+                    <a16:rowId xmlns:a16="http://schemas.microsoft.com/office/drawing/2014/main" val="3508002233"/>
                   </a:ext>
                 </a:extLst>
               </a:tr>
@@ -8341,7 +8495,7 @@
         </p:blipFill>
         <p:spPr>
           <a:xfrm>
-            <a:off x="7489567" y="1876843"/>
+            <a:off x="7489567" y="1869080"/>
             <a:ext cx="274320" cy="274320"/>
           </a:xfrm>
           <a:prstGeom prst="rect">
@@ -8378,6 +8532,42 @@
         <p:spPr>
           <a:xfrm>
             <a:off x="7489567" y="2255269"/>
+            <a:ext cx="274320" cy="274320"/>
+          </a:xfrm>
+          <a:prstGeom prst="rect">
+            <a:avLst/>
+          </a:prstGeom>
+        </p:spPr>
+      </p:pic>
+      <p:pic>
+        <p:nvPicPr>
+          <p:cNvPr id="14" name="Graphic 13" descr="Document">
+            <a:extLst>
+              <a:ext uri="{FF2B5EF4-FFF2-40B4-BE49-F238E27FC236}">
+                <a16:creationId xmlns:a16="http://schemas.microsoft.com/office/drawing/2014/main" id="{4FEDB18F-1757-1040-9F29-955D39A3BE06}"/>
+              </a:ext>
+            </a:extLst>
+          </p:cNvPr>
+          <p:cNvPicPr>
+            <a:picLocks noChangeAspect="1"/>
+          </p:cNvPicPr>
+          <p:nvPr/>
+        </p:nvPicPr>
+        <p:blipFill>
+          <a:blip r:embed="rId4">
+            <a:extLst>
+              <a:ext uri="{96DAC541-7B7A-43D3-8B79-37D633B846F1}">
+                <asvg:svgBlip xmlns:asvg="http://schemas.microsoft.com/office/drawing/2016/SVG/main" r:embed="rId7"/>
+              </a:ext>
+            </a:extLst>
+          </a:blip>
+          <a:stretch>
+            <a:fillRect/>
+          </a:stretch>
+        </p:blipFill>
+        <p:spPr>
+          <a:xfrm>
+            <a:off x="7489567" y="2633695"/>
             <a:ext cx="274320" cy="274320"/>
           </a:xfrm>
           <a:prstGeom prst="rect">

--- a/static/image/medium_post.pptx
+++ b/static/image/medium_post.pptx
@@ -6,10 +6,11 @@
   </p:sldMasterIdLst>
   <p:sldIdLst>
     <p:sldId id="256" r:id="rId2"/>
-    <p:sldId id="257" r:id="rId3"/>
-    <p:sldId id="258" r:id="rId4"/>
-    <p:sldId id="259" r:id="rId5"/>
-    <p:sldId id="260" r:id="rId6"/>
+    <p:sldId id="261" r:id="rId3"/>
+    <p:sldId id="257" r:id="rId4"/>
+    <p:sldId id="258" r:id="rId5"/>
+    <p:sldId id="259" r:id="rId6"/>
+    <p:sldId id="260" r:id="rId7"/>
   </p:sldIdLst>
   <p:sldSz cx="12192000" cy="6858000"/>
   <p:notesSz cx="6858000" cy="9144000"/>
@@ -116,6 +117,2718 @@
 </p:presentation>
 </file>
 
+<file path=ppt/diagrams/colors1.xml><?xml version="1.0" encoding="utf-8"?>
+<dgm:colorsDef xmlns:dgm="http://schemas.openxmlformats.org/drawingml/2006/diagram" xmlns:a="http://schemas.openxmlformats.org/drawingml/2006/main" uniqueId="urn:microsoft.com/office/officeart/2005/8/colors/accent1_2">
+  <dgm:title val=""/>
+  <dgm:desc val=""/>
+  <dgm:catLst>
+    <dgm:cat type="accent1" pri="11200"/>
+  </dgm:catLst>
+  <dgm:styleLbl name="node0">
+    <dgm:fillClrLst meth="repeat">
+      <a:schemeClr val="accent1"/>
+    </dgm:fillClrLst>
+    <dgm:linClrLst meth="repeat">
+      <a:schemeClr val="lt1"/>
+    </dgm:linClrLst>
+    <dgm:effectClrLst/>
+    <dgm:txLinClrLst/>
+    <dgm:txFillClrLst/>
+    <dgm:txEffectClrLst/>
+  </dgm:styleLbl>
+  <dgm:styleLbl name="alignNode1">
+    <dgm:fillClrLst meth="repeat">
+      <a:schemeClr val="accent1"/>
+    </dgm:fillClrLst>
+    <dgm:linClrLst meth="repeat">
+      <a:schemeClr val="accent1"/>
+    </dgm:linClrLst>
+    <dgm:effectClrLst/>
+    <dgm:txLinClrLst/>
+    <dgm:txFillClrLst/>
+    <dgm:txEffectClrLst/>
+  </dgm:styleLbl>
+  <dgm:styleLbl name="node1">
+    <dgm:fillClrLst meth="repeat">
+      <a:schemeClr val="accent1"/>
+    </dgm:fillClrLst>
+    <dgm:linClrLst meth="repeat">
+      <a:schemeClr val="lt1"/>
+    </dgm:linClrLst>
+    <dgm:effectClrLst/>
+    <dgm:txLinClrLst/>
+    <dgm:txFillClrLst/>
+    <dgm:txEffectClrLst/>
+  </dgm:styleLbl>
+  <dgm:styleLbl name="lnNode1">
+    <dgm:fillClrLst meth="repeat">
+      <a:schemeClr val="accent1"/>
+    </dgm:fillClrLst>
+    <dgm:linClrLst meth="repeat">
+      <a:schemeClr val="lt1"/>
+    </dgm:linClrLst>
+    <dgm:effectClrLst/>
+    <dgm:txLinClrLst/>
+    <dgm:txFillClrLst/>
+    <dgm:txEffectClrLst/>
+  </dgm:styleLbl>
+  <dgm:styleLbl name="vennNode1">
+    <dgm:fillClrLst meth="repeat">
+      <a:schemeClr val="accent1">
+        <a:alpha val="50000"/>
+      </a:schemeClr>
+    </dgm:fillClrLst>
+    <dgm:linClrLst meth="repeat">
+      <a:schemeClr val="lt1"/>
+    </dgm:linClrLst>
+    <dgm:effectClrLst/>
+    <dgm:txLinClrLst/>
+    <dgm:txFillClrLst/>
+    <dgm:txEffectClrLst/>
+  </dgm:styleLbl>
+  <dgm:styleLbl name="node2">
+    <dgm:fillClrLst meth="repeat">
+      <a:schemeClr val="accent1"/>
+    </dgm:fillClrLst>
+    <dgm:linClrLst meth="repeat">
+      <a:schemeClr val="lt1"/>
+    </dgm:linClrLst>
+    <dgm:effectClrLst/>
+    <dgm:txLinClrLst/>
+    <dgm:txFillClrLst/>
+    <dgm:txEffectClrLst/>
+  </dgm:styleLbl>
+  <dgm:styleLbl name="node3">
+    <dgm:fillClrLst meth="repeat">
+      <a:schemeClr val="accent1"/>
+    </dgm:fillClrLst>
+    <dgm:linClrLst meth="repeat">
+      <a:schemeClr val="lt1"/>
+    </dgm:linClrLst>
+    <dgm:effectClrLst/>
+    <dgm:txLinClrLst/>
+    <dgm:txFillClrLst/>
+    <dgm:txEffectClrLst/>
+  </dgm:styleLbl>
+  <dgm:styleLbl name="node4">
+    <dgm:fillClrLst meth="repeat">
+      <a:schemeClr val="accent1"/>
+    </dgm:fillClrLst>
+    <dgm:linClrLst meth="repeat">
+      <a:schemeClr val="lt1"/>
+    </dgm:linClrLst>
+    <dgm:effectClrLst/>
+    <dgm:txLinClrLst/>
+    <dgm:txFillClrLst/>
+    <dgm:txEffectClrLst/>
+  </dgm:styleLbl>
+  <dgm:styleLbl name="fgImgPlace1">
+    <dgm:fillClrLst meth="repeat">
+      <a:schemeClr val="accent1">
+        <a:tint val="50000"/>
+      </a:schemeClr>
+    </dgm:fillClrLst>
+    <dgm:linClrLst meth="repeat">
+      <a:schemeClr val="lt1"/>
+    </dgm:linClrLst>
+    <dgm:effectClrLst/>
+    <dgm:txLinClrLst/>
+    <dgm:txFillClrLst meth="repeat">
+      <a:schemeClr val="lt1"/>
+    </dgm:txFillClrLst>
+    <dgm:txEffectClrLst/>
+  </dgm:styleLbl>
+  <dgm:styleLbl name="alignImgPlace1">
+    <dgm:fillClrLst meth="repeat">
+      <a:schemeClr val="accent1">
+        <a:tint val="50000"/>
+      </a:schemeClr>
+    </dgm:fillClrLst>
+    <dgm:linClrLst meth="repeat">
+      <a:schemeClr val="lt1"/>
+    </dgm:linClrLst>
+    <dgm:effectClrLst/>
+    <dgm:txLinClrLst/>
+    <dgm:txFillClrLst meth="repeat">
+      <a:schemeClr val="lt1"/>
+    </dgm:txFillClrLst>
+    <dgm:txEffectClrLst/>
+  </dgm:styleLbl>
+  <dgm:styleLbl name="bgImgPlace1">
+    <dgm:fillClrLst meth="repeat">
+      <a:schemeClr val="accent1">
+        <a:tint val="50000"/>
+      </a:schemeClr>
+    </dgm:fillClrLst>
+    <dgm:linClrLst meth="repeat">
+      <a:schemeClr val="lt1"/>
+    </dgm:linClrLst>
+    <dgm:effectClrLst/>
+    <dgm:txLinClrLst/>
+    <dgm:txFillClrLst meth="repeat">
+      <a:schemeClr val="lt1"/>
+    </dgm:txFillClrLst>
+    <dgm:txEffectClrLst/>
+  </dgm:styleLbl>
+  <dgm:styleLbl name="sibTrans2D1">
+    <dgm:fillClrLst meth="repeat">
+      <a:schemeClr val="accent1">
+        <a:tint val="60000"/>
+      </a:schemeClr>
+    </dgm:fillClrLst>
+    <dgm:linClrLst meth="repeat">
+      <a:schemeClr val="accent1">
+        <a:tint val="60000"/>
+      </a:schemeClr>
+    </dgm:linClrLst>
+    <dgm:effectClrLst/>
+    <dgm:txLinClrLst/>
+    <dgm:txFillClrLst/>
+    <dgm:txEffectClrLst/>
+  </dgm:styleLbl>
+  <dgm:styleLbl name="fgSibTrans2D1">
+    <dgm:fillClrLst meth="repeat">
+      <a:schemeClr val="accent1">
+        <a:tint val="60000"/>
+      </a:schemeClr>
+    </dgm:fillClrLst>
+    <dgm:linClrLst meth="repeat">
+      <a:schemeClr val="accent1">
+        <a:tint val="60000"/>
+      </a:schemeClr>
+    </dgm:linClrLst>
+    <dgm:effectClrLst/>
+    <dgm:txLinClrLst/>
+    <dgm:txFillClrLst/>
+    <dgm:txEffectClrLst/>
+  </dgm:styleLbl>
+  <dgm:styleLbl name="bgSibTrans2D1">
+    <dgm:fillClrLst meth="repeat">
+      <a:schemeClr val="accent1">
+        <a:tint val="60000"/>
+      </a:schemeClr>
+    </dgm:fillClrLst>
+    <dgm:linClrLst meth="repeat">
+      <a:schemeClr val="accent1">
+        <a:tint val="60000"/>
+      </a:schemeClr>
+    </dgm:linClrLst>
+    <dgm:effectClrLst/>
+    <dgm:txLinClrLst/>
+    <dgm:txFillClrLst/>
+    <dgm:txEffectClrLst/>
+  </dgm:styleLbl>
+  <dgm:styleLbl name="sibTrans1D1">
+    <dgm:fillClrLst meth="repeat">
+      <a:schemeClr val="accent1"/>
+    </dgm:fillClrLst>
+    <dgm:linClrLst meth="repeat">
+      <a:schemeClr val="accent1"/>
+    </dgm:linClrLst>
+    <dgm:effectClrLst/>
+    <dgm:txLinClrLst/>
+    <dgm:txFillClrLst meth="repeat">
+      <a:schemeClr val="tx1"/>
+    </dgm:txFillClrLst>
+    <dgm:txEffectClrLst/>
+  </dgm:styleLbl>
+  <dgm:styleLbl name="callout">
+    <dgm:fillClrLst meth="repeat">
+      <a:schemeClr val="accent1"/>
+    </dgm:fillClrLst>
+    <dgm:linClrLst meth="repeat">
+      <a:schemeClr val="accent1">
+        <a:tint val="50000"/>
+      </a:schemeClr>
+    </dgm:linClrLst>
+    <dgm:effectClrLst/>
+    <dgm:txLinClrLst/>
+    <dgm:txFillClrLst meth="repeat">
+      <a:schemeClr val="tx1"/>
+    </dgm:txFillClrLst>
+    <dgm:txEffectClrLst/>
+  </dgm:styleLbl>
+  <dgm:styleLbl name="asst0">
+    <dgm:fillClrLst meth="repeat">
+      <a:schemeClr val="accent1"/>
+    </dgm:fillClrLst>
+    <dgm:linClrLst meth="repeat">
+      <a:schemeClr val="lt1"/>
+    </dgm:linClrLst>
+    <dgm:effectClrLst/>
+    <dgm:txLinClrLst/>
+    <dgm:txFillClrLst/>
+    <dgm:txEffectClrLst/>
+  </dgm:styleLbl>
+  <dgm:styleLbl name="asst1">
+    <dgm:fillClrLst meth="repeat">
+      <a:schemeClr val="accent1"/>
+    </dgm:fillClrLst>
+    <dgm:linClrLst meth="repeat">
+      <a:schemeClr val="lt1"/>
+    </dgm:linClrLst>
+    <dgm:effectClrLst/>
+    <dgm:txLinClrLst/>
+    <dgm:txFillClrLst/>
+    <dgm:txEffectClrLst/>
+  </dgm:styleLbl>
+  <dgm:styleLbl name="asst2">
+    <dgm:fillClrLst meth="repeat">
+      <a:schemeClr val="accent1"/>
+    </dgm:fillClrLst>
+    <dgm:linClrLst meth="repeat">
+      <a:schemeClr val="lt1"/>
+    </dgm:linClrLst>
+    <dgm:effectClrLst/>
+    <dgm:txLinClrLst/>
+    <dgm:txFillClrLst/>
+    <dgm:txEffectClrLst/>
+  </dgm:styleLbl>
+  <dgm:styleLbl name="asst3">
+    <dgm:fillClrLst meth="repeat">
+      <a:schemeClr val="accent1"/>
+    </dgm:fillClrLst>
+    <dgm:linClrLst meth="repeat">
+      <a:schemeClr val="lt1"/>
+    </dgm:linClrLst>
+    <dgm:effectClrLst/>
+    <dgm:txLinClrLst/>
+    <dgm:txFillClrLst/>
+    <dgm:txEffectClrLst/>
+  </dgm:styleLbl>
+  <dgm:styleLbl name="asst4">
+    <dgm:fillClrLst meth="repeat">
+      <a:schemeClr val="accent1"/>
+    </dgm:fillClrLst>
+    <dgm:linClrLst meth="repeat">
+      <a:schemeClr val="lt1"/>
+    </dgm:linClrLst>
+    <dgm:effectClrLst/>
+    <dgm:txLinClrLst/>
+    <dgm:txFillClrLst/>
+    <dgm:txEffectClrLst/>
+  </dgm:styleLbl>
+  <dgm:styleLbl name="parChTrans2D1">
+    <dgm:fillClrLst meth="repeat">
+      <a:schemeClr val="accent1">
+        <a:tint val="60000"/>
+      </a:schemeClr>
+    </dgm:fillClrLst>
+    <dgm:linClrLst meth="repeat">
+      <a:schemeClr val="accent1">
+        <a:tint val="60000"/>
+      </a:schemeClr>
+    </dgm:linClrLst>
+    <dgm:effectClrLst/>
+    <dgm:txLinClrLst/>
+    <dgm:txFillClrLst meth="repeat">
+      <a:schemeClr val="lt1"/>
+    </dgm:txFillClrLst>
+    <dgm:txEffectClrLst/>
+  </dgm:styleLbl>
+  <dgm:styleLbl name="parChTrans2D2">
+    <dgm:fillClrLst meth="repeat">
+      <a:schemeClr val="accent1"/>
+    </dgm:fillClrLst>
+    <dgm:linClrLst meth="repeat">
+      <a:schemeClr val="accent1"/>
+    </dgm:linClrLst>
+    <dgm:effectClrLst/>
+    <dgm:txLinClrLst/>
+    <dgm:txFillClrLst meth="repeat">
+      <a:schemeClr val="lt1"/>
+    </dgm:txFillClrLst>
+    <dgm:txEffectClrLst/>
+  </dgm:styleLbl>
+  <dgm:styleLbl name="parChTrans2D3">
+    <dgm:fillClrLst meth="repeat">
+      <a:schemeClr val="accent1"/>
+    </dgm:fillClrLst>
+    <dgm:linClrLst meth="repeat">
+      <a:schemeClr val="accent1"/>
+    </dgm:linClrLst>
+    <dgm:effectClrLst/>
+    <dgm:txLinClrLst/>
+    <dgm:txFillClrLst meth="repeat">
+      <a:schemeClr val="lt1"/>
+    </dgm:txFillClrLst>
+    <dgm:txEffectClrLst/>
+  </dgm:styleLbl>
+  <dgm:styleLbl name="parChTrans2D4">
+    <dgm:fillClrLst meth="repeat">
+      <a:schemeClr val="accent1"/>
+    </dgm:fillClrLst>
+    <dgm:linClrLst meth="repeat">
+      <a:schemeClr val="accent1"/>
+    </dgm:linClrLst>
+    <dgm:effectClrLst/>
+    <dgm:txLinClrLst/>
+    <dgm:txFillClrLst meth="repeat">
+      <a:schemeClr val="lt1"/>
+    </dgm:txFillClrLst>
+    <dgm:txEffectClrLst/>
+  </dgm:styleLbl>
+  <dgm:styleLbl name="parChTrans1D1">
+    <dgm:fillClrLst meth="repeat">
+      <a:schemeClr val="accent1"/>
+    </dgm:fillClrLst>
+    <dgm:linClrLst meth="repeat">
+      <a:schemeClr val="accent1">
+        <a:shade val="60000"/>
+      </a:schemeClr>
+    </dgm:linClrLst>
+    <dgm:effectClrLst/>
+    <dgm:txLinClrLst/>
+    <dgm:txFillClrLst meth="repeat">
+      <a:schemeClr val="tx1"/>
+    </dgm:txFillClrLst>
+    <dgm:txEffectClrLst/>
+  </dgm:styleLbl>
+  <dgm:styleLbl name="parChTrans1D2">
+    <dgm:fillClrLst meth="repeat">
+      <a:schemeClr val="accent1"/>
+    </dgm:fillClrLst>
+    <dgm:linClrLst meth="repeat">
+      <a:schemeClr val="accent1">
+        <a:shade val="60000"/>
+      </a:schemeClr>
+    </dgm:linClrLst>
+    <dgm:effectClrLst/>
+    <dgm:txLinClrLst/>
+    <dgm:txFillClrLst meth="repeat">
+      <a:schemeClr val="tx1"/>
+    </dgm:txFillClrLst>
+    <dgm:txEffectClrLst/>
+  </dgm:styleLbl>
+  <dgm:styleLbl name="parChTrans1D3">
+    <dgm:fillClrLst meth="repeat">
+      <a:schemeClr val="accent1"/>
+    </dgm:fillClrLst>
+    <dgm:linClrLst meth="repeat">
+      <a:schemeClr val="accent1">
+        <a:shade val="80000"/>
+      </a:schemeClr>
+    </dgm:linClrLst>
+    <dgm:effectClrLst/>
+    <dgm:txLinClrLst/>
+    <dgm:txFillClrLst meth="repeat">
+      <a:schemeClr val="tx1"/>
+    </dgm:txFillClrLst>
+    <dgm:txEffectClrLst/>
+  </dgm:styleLbl>
+  <dgm:styleLbl name="parChTrans1D4">
+    <dgm:fillClrLst meth="repeat">
+      <a:schemeClr val="accent1"/>
+    </dgm:fillClrLst>
+    <dgm:linClrLst meth="repeat">
+      <a:schemeClr val="accent1">
+        <a:shade val="80000"/>
+      </a:schemeClr>
+    </dgm:linClrLst>
+    <dgm:effectClrLst/>
+    <dgm:txLinClrLst/>
+    <dgm:txFillClrLst meth="repeat">
+      <a:schemeClr val="tx1"/>
+    </dgm:txFillClrLst>
+    <dgm:txEffectClrLst/>
+  </dgm:styleLbl>
+  <dgm:styleLbl name="fgAcc1">
+    <dgm:fillClrLst meth="repeat">
+      <a:schemeClr val="lt1">
+        <a:alpha val="90000"/>
+      </a:schemeClr>
+    </dgm:fillClrLst>
+    <dgm:linClrLst meth="repeat">
+      <a:schemeClr val="accent1"/>
+    </dgm:linClrLst>
+    <dgm:effectClrLst/>
+    <dgm:txLinClrLst/>
+    <dgm:txFillClrLst meth="repeat">
+      <a:schemeClr val="dk1"/>
+    </dgm:txFillClrLst>
+    <dgm:txEffectClrLst/>
+  </dgm:styleLbl>
+  <dgm:styleLbl name="conFgAcc1">
+    <dgm:fillClrLst meth="repeat">
+      <a:schemeClr val="lt1">
+        <a:alpha val="90000"/>
+      </a:schemeClr>
+    </dgm:fillClrLst>
+    <dgm:linClrLst meth="repeat">
+      <a:schemeClr val="accent1"/>
+    </dgm:linClrLst>
+    <dgm:effectClrLst/>
+    <dgm:txLinClrLst/>
+    <dgm:txFillClrLst meth="repeat">
+      <a:schemeClr val="dk1"/>
+    </dgm:txFillClrLst>
+    <dgm:txEffectClrLst/>
+  </dgm:styleLbl>
+  <dgm:styleLbl name="alignAcc1">
+    <dgm:fillClrLst meth="repeat">
+      <a:schemeClr val="lt1">
+        <a:alpha val="90000"/>
+      </a:schemeClr>
+    </dgm:fillClrLst>
+    <dgm:linClrLst meth="repeat">
+      <a:schemeClr val="accent1"/>
+    </dgm:linClrLst>
+    <dgm:effectClrLst/>
+    <dgm:txLinClrLst/>
+    <dgm:txFillClrLst meth="repeat">
+      <a:schemeClr val="dk1"/>
+    </dgm:txFillClrLst>
+    <dgm:txEffectClrLst/>
+  </dgm:styleLbl>
+  <dgm:styleLbl name="trAlignAcc1">
+    <dgm:fillClrLst meth="repeat">
+      <a:schemeClr val="lt1">
+        <a:alpha val="40000"/>
+      </a:schemeClr>
+    </dgm:fillClrLst>
+    <dgm:linClrLst meth="repeat">
+      <a:schemeClr val="accent1"/>
+    </dgm:linClrLst>
+    <dgm:effectClrLst/>
+    <dgm:txLinClrLst/>
+    <dgm:txFillClrLst meth="repeat">
+      <a:schemeClr val="dk1"/>
+    </dgm:txFillClrLst>
+    <dgm:txEffectClrLst/>
+  </dgm:styleLbl>
+  <dgm:styleLbl name="bgAcc1">
+    <dgm:fillClrLst meth="repeat">
+      <a:schemeClr val="lt1">
+        <a:alpha val="90000"/>
+      </a:schemeClr>
+    </dgm:fillClrLst>
+    <dgm:linClrLst meth="repeat">
+      <a:schemeClr val="accent1"/>
+    </dgm:linClrLst>
+    <dgm:effectClrLst/>
+    <dgm:txLinClrLst/>
+    <dgm:txFillClrLst meth="repeat">
+      <a:schemeClr val="dk1"/>
+    </dgm:txFillClrLst>
+    <dgm:txEffectClrLst/>
+  </dgm:styleLbl>
+  <dgm:styleLbl name="solidFgAcc1">
+    <dgm:fillClrLst meth="repeat">
+      <a:schemeClr val="lt1"/>
+    </dgm:fillClrLst>
+    <dgm:linClrLst meth="repeat">
+      <a:schemeClr val="accent1"/>
+    </dgm:linClrLst>
+    <dgm:effectClrLst/>
+    <dgm:txLinClrLst/>
+    <dgm:txFillClrLst meth="repeat">
+      <a:schemeClr val="dk1"/>
+    </dgm:txFillClrLst>
+    <dgm:txEffectClrLst/>
+  </dgm:styleLbl>
+  <dgm:styleLbl name="solidAlignAcc1">
+    <dgm:fillClrLst meth="repeat">
+      <a:schemeClr val="lt1"/>
+    </dgm:fillClrLst>
+    <dgm:linClrLst meth="repeat">
+      <a:schemeClr val="accent1"/>
+    </dgm:linClrLst>
+    <dgm:effectClrLst/>
+    <dgm:txLinClrLst/>
+    <dgm:txFillClrLst meth="repeat">
+      <a:schemeClr val="dk1"/>
+    </dgm:txFillClrLst>
+    <dgm:txEffectClrLst/>
+  </dgm:styleLbl>
+  <dgm:styleLbl name="solidBgAcc1">
+    <dgm:fillClrLst meth="repeat">
+      <a:schemeClr val="lt1"/>
+    </dgm:fillClrLst>
+    <dgm:linClrLst meth="repeat">
+      <a:schemeClr val="accent1"/>
+    </dgm:linClrLst>
+    <dgm:effectClrLst/>
+    <dgm:txLinClrLst/>
+    <dgm:txFillClrLst meth="repeat">
+      <a:schemeClr val="dk1"/>
+    </dgm:txFillClrLst>
+    <dgm:txEffectClrLst/>
+  </dgm:styleLbl>
+  <dgm:styleLbl name="fgAccFollowNode1">
+    <dgm:fillClrLst meth="repeat">
+      <a:schemeClr val="accent1">
+        <a:alpha val="90000"/>
+        <a:tint val="40000"/>
+      </a:schemeClr>
+    </dgm:fillClrLst>
+    <dgm:linClrLst meth="repeat">
+      <a:schemeClr val="accent1">
+        <a:alpha val="90000"/>
+        <a:tint val="40000"/>
+      </a:schemeClr>
+    </dgm:linClrLst>
+    <dgm:effectClrLst/>
+    <dgm:txLinClrLst/>
+    <dgm:txFillClrLst meth="repeat">
+      <a:schemeClr val="dk1"/>
+    </dgm:txFillClrLst>
+    <dgm:txEffectClrLst/>
+  </dgm:styleLbl>
+  <dgm:styleLbl name="alignAccFollowNode1">
+    <dgm:fillClrLst meth="repeat">
+      <a:schemeClr val="accent1">
+        <a:alpha val="90000"/>
+        <a:tint val="40000"/>
+      </a:schemeClr>
+    </dgm:fillClrLst>
+    <dgm:linClrLst meth="repeat">
+      <a:schemeClr val="accent1">
+        <a:alpha val="90000"/>
+        <a:tint val="40000"/>
+      </a:schemeClr>
+    </dgm:linClrLst>
+    <dgm:effectClrLst/>
+    <dgm:txLinClrLst/>
+    <dgm:txFillClrLst meth="repeat">
+      <a:schemeClr val="dk1"/>
+    </dgm:txFillClrLst>
+    <dgm:txEffectClrLst/>
+  </dgm:styleLbl>
+  <dgm:styleLbl name="bgAccFollowNode1">
+    <dgm:fillClrLst meth="repeat">
+      <a:schemeClr val="accent1">
+        <a:alpha val="90000"/>
+        <a:tint val="40000"/>
+      </a:schemeClr>
+    </dgm:fillClrLst>
+    <dgm:linClrLst meth="repeat">
+      <a:schemeClr val="accent1">
+        <a:alpha val="90000"/>
+        <a:tint val="40000"/>
+      </a:schemeClr>
+    </dgm:linClrLst>
+    <dgm:effectClrLst/>
+    <dgm:txLinClrLst/>
+    <dgm:txFillClrLst meth="repeat">
+      <a:schemeClr val="dk1"/>
+    </dgm:txFillClrLst>
+    <dgm:txEffectClrLst/>
+  </dgm:styleLbl>
+  <dgm:styleLbl name="fgAcc0">
+    <dgm:fillClrLst meth="repeat">
+      <a:schemeClr val="lt1">
+        <a:alpha val="90000"/>
+      </a:schemeClr>
+    </dgm:fillClrLst>
+    <dgm:linClrLst meth="repeat">
+      <a:schemeClr val="accent1"/>
+    </dgm:linClrLst>
+    <dgm:effectClrLst/>
+    <dgm:txLinClrLst/>
+    <dgm:txFillClrLst meth="repeat">
+      <a:schemeClr val="dk1"/>
+    </dgm:txFillClrLst>
+    <dgm:txEffectClrLst/>
+  </dgm:styleLbl>
+  <dgm:styleLbl name="fgAcc2">
+    <dgm:fillClrLst meth="repeat">
+      <a:schemeClr val="lt1">
+        <a:alpha val="90000"/>
+      </a:schemeClr>
+    </dgm:fillClrLst>
+    <dgm:linClrLst meth="repeat">
+      <a:schemeClr val="accent1"/>
+    </dgm:linClrLst>
+    <dgm:effectClrLst/>
+    <dgm:txLinClrLst/>
+    <dgm:txFillClrLst meth="repeat">
+      <a:schemeClr val="dk1"/>
+    </dgm:txFillClrLst>
+    <dgm:txEffectClrLst/>
+  </dgm:styleLbl>
+  <dgm:styleLbl name="fgAcc3">
+    <dgm:fillClrLst meth="repeat">
+      <a:schemeClr val="lt1">
+        <a:alpha val="90000"/>
+      </a:schemeClr>
+    </dgm:fillClrLst>
+    <dgm:linClrLst meth="repeat">
+      <a:schemeClr val="accent1"/>
+    </dgm:linClrLst>
+    <dgm:effectClrLst/>
+    <dgm:txLinClrLst/>
+    <dgm:txFillClrLst meth="repeat">
+      <a:schemeClr val="dk1"/>
+    </dgm:txFillClrLst>
+    <dgm:txEffectClrLst/>
+  </dgm:styleLbl>
+  <dgm:styleLbl name="fgAcc4">
+    <dgm:fillClrLst meth="repeat">
+      <a:schemeClr val="lt1">
+        <a:alpha val="90000"/>
+      </a:schemeClr>
+    </dgm:fillClrLst>
+    <dgm:linClrLst meth="repeat">
+      <a:schemeClr val="accent1"/>
+    </dgm:linClrLst>
+    <dgm:effectClrLst/>
+    <dgm:txLinClrLst/>
+    <dgm:txFillClrLst meth="repeat">
+      <a:schemeClr val="dk1"/>
+    </dgm:txFillClrLst>
+    <dgm:txEffectClrLst/>
+  </dgm:styleLbl>
+  <dgm:styleLbl name="bgShp">
+    <dgm:fillClrLst meth="repeat">
+      <a:schemeClr val="accent1">
+        <a:tint val="40000"/>
+      </a:schemeClr>
+    </dgm:fillClrLst>
+    <dgm:linClrLst meth="repeat">
+      <a:schemeClr val="accent1"/>
+    </dgm:linClrLst>
+    <dgm:effectClrLst/>
+    <dgm:txLinClrLst/>
+    <dgm:txFillClrLst meth="repeat">
+      <a:schemeClr val="dk1"/>
+    </dgm:txFillClrLst>
+    <dgm:txEffectClrLst/>
+  </dgm:styleLbl>
+  <dgm:styleLbl name="dkBgShp">
+    <dgm:fillClrLst meth="repeat">
+      <a:schemeClr val="accent1">
+        <a:shade val="80000"/>
+      </a:schemeClr>
+    </dgm:fillClrLst>
+    <dgm:linClrLst meth="repeat">
+      <a:schemeClr val="accent1"/>
+    </dgm:linClrLst>
+    <dgm:effectClrLst/>
+    <dgm:txLinClrLst/>
+    <dgm:txFillClrLst meth="repeat">
+      <a:schemeClr val="lt1"/>
+    </dgm:txFillClrLst>
+    <dgm:txEffectClrLst/>
+  </dgm:styleLbl>
+  <dgm:styleLbl name="trBgShp">
+    <dgm:fillClrLst meth="repeat">
+      <a:schemeClr val="accent1">
+        <a:tint val="50000"/>
+        <a:alpha val="40000"/>
+      </a:schemeClr>
+    </dgm:fillClrLst>
+    <dgm:linClrLst meth="repeat">
+      <a:schemeClr val="accent1"/>
+    </dgm:linClrLst>
+    <dgm:effectClrLst/>
+    <dgm:txLinClrLst/>
+    <dgm:txFillClrLst meth="repeat">
+      <a:schemeClr val="lt1"/>
+    </dgm:txFillClrLst>
+    <dgm:txEffectClrLst/>
+  </dgm:styleLbl>
+  <dgm:styleLbl name="fgShp">
+    <dgm:fillClrLst meth="repeat">
+      <a:schemeClr val="accent1">
+        <a:tint val="60000"/>
+      </a:schemeClr>
+    </dgm:fillClrLst>
+    <dgm:linClrLst meth="repeat">
+      <a:schemeClr val="lt1"/>
+    </dgm:linClrLst>
+    <dgm:effectClrLst/>
+    <dgm:txLinClrLst/>
+    <dgm:txFillClrLst meth="repeat">
+      <a:schemeClr val="dk1"/>
+    </dgm:txFillClrLst>
+    <dgm:txEffectClrLst/>
+  </dgm:styleLbl>
+  <dgm:styleLbl name="revTx">
+    <dgm:fillClrLst meth="repeat">
+      <a:schemeClr val="lt1">
+        <a:alpha val="0"/>
+      </a:schemeClr>
+    </dgm:fillClrLst>
+    <dgm:linClrLst meth="repeat">
+      <a:schemeClr val="dk1">
+        <a:alpha val="0"/>
+      </a:schemeClr>
+    </dgm:linClrLst>
+    <dgm:effectClrLst/>
+    <dgm:txLinClrLst/>
+    <dgm:txFillClrLst meth="repeat">
+      <a:schemeClr val="tx1"/>
+    </dgm:txFillClrLst>
+    <dgm:txEffectClrLst/>
+  </dgm:styleLbl>
+</dgm:colorsDef>
+</file>
+
+<file path=ppt/diagrams/data1.xml><?xml version="1.0" encoding="utf-8"?>
+<dgm:dataModel xmlns:dgm="http://schemas.openxmlformats.org/drawingml/2006/diagram" xmlns:a="http://schemas.openxmlformats.org/drawingml/2006/main">
+  <dgm:ptLst>
+    <dgm:pt modelId="{32D97E57-FD01-401A-9D9C-2D73F6E22027}" type="doc">
+      <dgm:prSet loTypeId="urn:microsoft.com/office/officeart/2005/8/layout/hChevron3" loCatId="process" qsTypeId="urn:microsoft.com/office/officeart/2005/8/quickstyle/simple1" qsCatId="simple" csTypeId="urn:microsoft.com/office/officeart/2005/8/colors/accent1_2" csCatId="accent1" phldr="1"/>
+      <dgm:spPr/>
+    </dgm:pt>
+    <dgm:pt modelId="{73FEB77B-F97C-418F-99FB-16EC4B3AEF5A}">
+      <dgm:prSet phldrT="[Text]"/>
+      <dgm:spPr/>
+      <dgm:t>
+        <a:bodyPr/>
+        <a:lstStyle/>
+        <a:p>
+          <a:r>
+            <a:rPr lang="en-US" dirty="0"/>
+            <a:t>Define Problem Statement</a:t>
+          </a:r>
+        </a:p>
+      </dgm:t>
+    </dgm:pt>
+    <dgm:pt modelId="{2AB7C621-5A7C-4D69-8E37-458EBBEA1BF7}" type="parTrans" cxnId="{AD94A09F-C0B7-4493-ACCD-881F4B2E4F45}">
+      <dgm:prSet/>
+      <dgm:spPr/>
+      <dgm:t>
+        <a:bodyPr/>
+        <a:lstStyle/>
+        <a:p>
+          <a:endParaRPr lang="en-US"/>
+        </a:p>
+      </dgm:t>
+    </dgm:pt>
+    <dgm:pt modelId="{322F274E-2AD7-4785-BD5B-0F42BDF13022}" type="sibTrans" cxnId="{AD94A09F-C0B7-4493-ACCD-881F4B2E4F45}">
+      <dgm:prSet/>
+      <dgm:spPr/>
+      <dgm:t>
+        <a:bodyPr/>
+        <a:lstStyle/>
+        <a:p>
+          <a:endParaRPr lang="en-US"/>
+        </a:p>
+      </dgm:t>
+    </dgm:pt>
+    <dgm:pt modelId="{DCCD464F-54FE-47E6-A49D-469761718C43}">
+      <dgm:prSet phldrT="[Text]"/>
+      <dgm:spPr/>
+      <dgm:t>
+        <a:bodyPr/>
+        <a:lstStyle/>
+        <a:p>
+          <a:r>
+            <a:rPr lang="en-US" dirty="0"/>
+            <a:t>Acquire Data</a:t>
+          </a:r>
+        </a:p>
+      </dgm:t>
+    </dgm:pt>
+    <dgm:pt modelId="{916E74AC-9A29-461C-A0E4-FB3D7C44366A}" type="parTrans" cxnId="{55F5AAC7-7B32-47C8-BC9B-77C36FCA7218}">
+      <dgm:prSet/>
+      <dgm:spPr/>
+      <dgm:t>
+        <a:bodyPr/>
+        <a:lstStyle/>
+        <a:p>
+          <a:endParaRPr lang="en-US"/>
+        </a:p>
+      </dgm:t>
+    </dgm:pt>
+    <dgm:pt modelId="{B55C8702-B6B3-47AE-983E-457D512220BF}" type="sibTrans" cxnId="{55F5AAC7-7B32-47C8-BC9B-77C36FCA7218}">
+      <dgm:prSet/>
+      <dgm:spPr/>
+      <dgm:t>
+        <a:bodyPr/>
+        <a:lstStyle/>
+        <a:p>
+          <a:endParaRPr lang="en-US"/>
+        </a:p>
+      </dgm:t>
+    </dgm:pt>
+    <dgm:pt modelId="{CA584AFE-7695-4F22-B21F-DF9C5238205A}">
+      <dgm:prSet phldrT="[Text]"/>
+      <dgm:spPr/>
+      <dgm:t>
+        <a:bodyPr/>
+        <a:lstStyle/>
+        <a:p>
+          <a:r>
+            <a:rPr lang="en-US" dirty="0"/>
+            <a:t>Model Development</a:t>
+          </a:r>
+        </a:p>
+      </dgm:t>
+    </dgm:pt>
+    <dgm:pt modelId="{F1AD978C-C635-41EA-B4A6-EE407A0F4992}" type="parTrans" cxnId="{CD1370B7-FB89-4697-8C77-C46EB9736206}">
+      <dgm:prSet/>
+      <dgm:spPr/>
+      <dgm:t>
+        <a:bodyPr/>
+        <a:lstStyle/>
+        <a:p>
+          <a:endParaRPr lang="en-US"/>
+        </a:p>
+      </dgm:t>
+    </dgm:pt>
+    <dgm:pt modelId="{37BDDE9A-05F2-4BCE-B88C-22FAA6A2F099}" type="sibTrans" cxnId="{CD1370B7-FB89-4697-8C77-C46EB9736206}">
+      <dgm:prSet/>
+      <dgm:spPr/>
+      <dgm:t>
+        <a:bodyPr/>
+        <a:lstStyle/>
+        <a:p>
+          <a:endParaRPr lang="en-US"/>
+        </a:p>
+      </dgm:t>
+    </dgm:pt>
+    <dgm:pt modelId="{67681374-54BF-4125-8B50-4DF8C0B25D6C}">
+      <dgm:prSet/>
+      <dgm:spPr/>
+      <dgm:t>
+        <a:bodyPr/>
+        <a:lstStyle/>
+        <a:p>
+          <a:r>
+            <a:rPr lang="en-US" dirty="0"/>
+            <a:t>Interpret &amp; Communicate</a:t>
+          </a:r>
+        </a:p>
+      </dgm:t>
+    </dgm:pt>
+    <dgm:pt modelId="{9344BD16-183C-44F8-B206-1D526FD2480D}" type="parTrans" cxnId="{882AF540-35A0-42C7-8521-7BDCDE01FD04}">
+      <dgm:prSet/>
+      <dgm:spPr/>
+    </dgm:pt>
+    <dgm:pt modelId="{0AE007AF-5C9D-407B-AEDA-6EEF09EF465F}" type="sibTrans" cxnId="{882AF540-35A0-42C7-8521-7BDCDE01FD04}">
+      <dgm:prSet/>
+      <dgm:spPr/>
+    </dgm:pt>
+    <dgm:pt modelId="{786D9792-D915-48CC-9598-D1421DDF307D}">
+      <dgm:prSet/>
+      <dgm:spPr/>
+      <dgm:t>
+        <a:bodyPr/>
+        <a:lstStyle/>
+        <a:p>
+          <a:r>
+            <a:rPr lang="en-US" dirty="0"/>
+            <a:t>Deploy in Production</a:t>
+          </a:r>
+        </a:p>
+      </dgm:t>
+    </dgm:pt>
+    <dgm:pt modelId="{ECC8A6B7-EB12-4828-9150-07C8E3F7FDF9}" type="parTrans" cxnId="{EA6AAE47-9D14-458D-8A74-CA04B68027BB}">
+      <dgm:prSet/>
+      <dgm:spPr/>
+    </dgm:pt>
+    <dgm:pt modelId="{9B2ACA69-E3A7-4C4A-B665-DFBF54ACDA62}" type="sibTrans" cxnId="{EA6AAE47-9D14-458D-8A74-CA04B68027BB}">
+      <dgm:prSet/>
+      <dgm:spPr/>
+    </dgm:pt>
+    <dgm:pt modelId="{0733221A-88F2-45F0-9B51-D95742B49CEC}" type="pres">
+      <dgm:prSet presAssocID="{32D97E57-FD01-401A-9D9C-2D73F6E22027}" presName="Name0" presStyleCnt="0">
+        <dgm:presLayoutVars>
+          <dgm:dir/>
+          <dgm:resizeHandles val="exact"/>
+        </dgm:presLayoutVars>
+      </dgm:prSet>
+      <dgm:spPr/>
+    </dgm:pt>
+    <dgm:pt modelId="{51F77FEA-1F6B-4DA5-A26D-11902C974C73}" type="pres">
+      <dgm:prSet presAssocID="{73FEB77B-F97C-418F-99FB-16EC4B3AEF5A}" presName="parTxOnly" presStyleLbl="node1" presStyleIdx="0" presStyleCnt="5">
+        <dgm:presLayoutVars>
+          <dgm:bulletEnabled val="1"/>
+        </dgm:presLayoutVars>
+      </dgm:prSet>
+      <dgm:spPr/>
+    </dgm:pt>
+    <dgm:pt modelId="{E02A343C-FFA8-4192-8071-33E48EC30D54}" type="pres">
+      <dgm:prSet presAssocID="{322F274E-2AD7-4785-BD5B-0F42BDF13022}" presName="parSpace" presStyleCnt="0"/>
+      <dgm:spPr/>
+    </dgm:pt>
+    <dgm:pt modelId="{C292706F-A80B-48FB-9E89-5CFAC166414F}" type="pres">
+      <dgm:prSet presAssocID="{DCCD464F-54FE-47E6-A49D-469761718C43}" presName="parTxOnly" presStyleLbl="node1" presStyleIdx="1" presStyleCnt="5">
+        <dgm:presLayoutVars>
+          <dgm:bulletEnabled val="1"/>
+        </dgm:presLayoutVars>
+      </dgm:prSet>
+      <dgm:spPr/>
+    </dgm:pt>
+    <dgm:pt modelId="{B3A618FF-F128-4049-818D-C2DCA0872CAA}" type="pres">
+      <dgm:prSet presAssocID="{B55C8702-B6B3-47AE-983E-457D512220BF}" presName="parSpace" presStyleCnt="0"/>
+      <dgm:spPr/>
+    </dgm:pt>
+    <dgm:pt modelId="{AA137684-5409-4FC6-A714-34ADCB2F2C76}" type="pres">
+      <dgm:prSet presAssocID="{CA584AFE-7695-4F22-B21F-DF9C5238205A}" presName="parTxOnly" presStyleLbl="node1" presStyleIdx="2" presStyleCnt="5">
+        <dgm:presLayoutVars>
+          <dgm:bulletEnabled val="1"/>
+        </dgm:presLayoutVars>
+      </dgm:prSet>
+      <dgm:spPr/>
+    </dgm:pt>
+    <dgm:pt modelId="{9CA9A0F9-9A52-4B7F-9954-AAB3C19DAAE9}" type="pres">
+      <dgm:prSet presAssocID="{37BDDE9A-05F2-4BCE-B88C-22FAA6A2F099}" presName="parSpace" presStyleCnt="0"/>
+      <dgm:spPr/>
+    </dgm:pt>
+    <dgm:pt modelId="{B3229DB9-3BB3-4600-8AB9-923FC1B3F6F9}" type="pres">
+      <dgm:prSet presAssocID="{67681374-54BF-4125-8B50-4DF8C0B25D6C}" presName="parTxOnly" presStyleLbl="node1" presStyleIdx="3" presStyleCnt="5">
+        <dgm:presLayoutVars>
+          <dgm:bulletEnabled val="1"/>
+        </dgm:presLayoutVars>
+      </dgm:prSet>
+      <dgm:spPr/>
+    </dgm:pt>
+    <dgm:pt modelId="{0971B852-A9F2-4C80-B590-8C82E6001D6C}" type="pres">
+      <dgm:prSet presAssocID="{0AE007AF-5C9D-407B-AEDA-6EEF09EF465F}" presName="parSpace" presStyleCnt="0"/>
+      <dgm:spPr/>
+    </dgm:pt>
+    <dgm:pt modelId="{82E8AAA5-D20F-41D5-AC26-1CE91B580A64}" type="pres">
+      <dgm:prSet presAssocID="{786D9792-D915-48CC-9598-D1421DDF307D}" presName="parTxOnly" presStyleLbl="node1" presStyleIdx="4" presStyleCnt="5">
+        <dgm:presLayoutVars>
+          <dgm:bulletEnabled val="1"/>
+        </dgm:presLayoutVars>
+      </dgm:prSet>
+      <dgm:spPr/>
+    </dgm:pt>
+  </dgm:ptLst>
+  <dgm:cxnLst>
+    <dgm:cxn modelId="{1CAC4B30-2BAC-4FE9-B2D4-AA7791EDBF0E}" type="presOf" srcId="{67681374-54BF-4125-8B50-4DF8C0B25D6C}" destId="{B3229DB9-3BB3-4600-8AB9-923FC1B3F6F9}" srcOrd="0" destOrd="0" presId="urn:microsoft.com/office/officeart/2005/8/layout/hChevron3"/>
+    <dgm:cxn modelId="{DF25373D-C55C-4D19-8F06-8F9D12B470CF}" type="presOf" srcId="{32D97E57-FD01-401A-9D9C-2D73F6E22027}" destId="{0733221A-88F2-45F0-9B51-D95742B49CEC}" srcOrd="0" destOrd="0" presId="urn:microsoft.com/office/officeart/2005/8/layout/hChevron3"/>
+    <dgm:cxn modelId="{882AF540-35A0-42C7-8521-7BDCDE01FD04}" srcId="{32D97E57-FD01-401A-9D9C-2D73F6E22027}" destId="{67681374-54BF-4125-8B50-4DF8C0B25D6C}" srcOrd="3" destOrd="0" parTransId="{9344BD16-183C-44F8-B206-1D526FD2480D}" sibTransId="{0AE007AF-5C9D-407B-AEDA-6EEF09EF465F}"/>
+    <dgm:cxn modelId="{EA6AAE47-9D14-458D-8A74-CA04B68027BB}" srcId="{32D97E57-FD01-401A-9D9C-2D73F6E22027}" destId="{786D9792-D915-48CC-9598-D1421DDF307D}" srcOrd="4" destOrd="0" parTransId="{ECC8A6B7-EB12-4828-9150-07C8E3F7FDF9}" sibTransId="{9B2ACA69-E3A7-4C4A-B665-DFBF54ACDA62}"/>
+    <dgm:cxn modelId="{D3C42250-F352-43D6-8760-F10396898B40}" type="presOf" srcId="{DCCD464F-54FE-47E6-A49D-469761718C43}" destId="{C292706F-A80B-48FB-9E89-5CFAC166414F}" srcOrd="0" destOrd="0" presId="urn:microsoft.com/office/officeart/2005/8/layout/hChevron3"/>
+    <dgm:cxn modelId="{53826596-7BB8-436F-AF14-C26553F8A055}" type="presOf" srcId="{73FEB77B-F97C-418F-99FB-16EC4B3AEF5A}" destId="{51F77FEA-1F6B-4DA5-A26D-11902C974C73}" srcOrd="0" destOrd="0" presId="urn:microsoft.com/office/officeart/2005/8/layout/hChevron3"/>
+    <dgm:cxn modelId="{AD94A09F-C0B7-4493-ACCD-881F4B2E4F45}" srcId="{32D97E57-FD01-401A-9D9C-2D73F6E22027}" destId="{73FEB77B-F97C-418F-99FB-16EC4B3AEF5A}" srcOrd="0" destOrd="0" parTransId="{2AB7C621-5A7C-4D69-8E37-458EBBEA1BF7}" sibTransId="{322F274E-2AD7-4785-BD5B-0F42BDF13022}"/>
+    <dgm:cxn modelId="{8A8C6FAD-2BDF-4533-B679-573648128191}" type="presOf" srcId="{CA584AFE-7695-4F22-B21F-DF9C5238205A}" destId="{AA137684-5409-4FC6-A714-34ADCB2F2C76}" srcOrd="0" destOrd="0" presId="urn:microsoft.com/office/officeart/2005/8/layout/hChevron3"/>
+    <dgm:cxn modelId="{CD1370B7-FB89-4697-8C77-C46EB9736206}" srcId="{32D97E57-FD01-401A-9D9C-2D73F6E22027}" destId="{CA584AFE-7695-4F22-B21F-DF9C5238205A}" srcOrd="2" destOrd="0" parTransId="{F1AD978C-C635-41EA-B4A6-EE407A0F4992}" sibTransId="{37BDDE9A-05F2-4BCE-B88C-22FAA6A2F099}"/>
+    <dgm:cxn modelId="{55F5AAC7-7B32-47C8-BC9B-77C36FCA7218}" srcId="{32D97E57-FD01-401A-9D9C-2D73F6E22027}" destId="{DCCD464F-54FE-47E6-A49D-469761718C43}" srcOrd="1" destOrd="0" parTransId="{916E74AC-9A29-461C-A0E4-FB3D7C44366A}" sibTransId="{B55C8702-B6B3-47AE-983E-457D512220BF}"/>
+    <dgm:cxn modelId="{D8B74EE4-8D43-475C-A3EC-65D9755C2617}" type="presOf" srcId="{786D9792-D915-48CC-9598-D1421DDF307D}" destId="{82E8AAA5-D20F-41D5-AC26-1CE91B580A64}" srcOrd="0" destOrd="0" presId="urn:microsoft.com/office/officeart/2005/8/layout/hChevron3"/>
+    <dgm:cxn modelId="{4648F20E-32D8-45F2-9B8F-276B6D584324}" type="presParOf" srcId="{0733221A-88F2-45F0-9B51-D95742B49CEC}" destId="{51F77FEA-1F6B-4DA5-A26D-11902C974C73}" srcOrd="0" destOrd="0" presId="urn:microsoft.com/office/officeart/2005/8/layout/hChevron3"/>
+    <dgm:cxn modelId="{5BFB35AD-1A6A-4BC2-88AB-C31A64166E94}" type="presParOf" srcId="{0733221A-88F2-45F0-9B51-D95742B49CEC}" destId="{E02A343C-FFA8-4192-8071-33E48EC30D54}" srcOrd="1" destOrd="0" presId="urn:microsoft.com/office/officeart/2005/8/layout/hChevron3"/>
+    <dgm:cxn modelId="{36E00E78-EDD6-40A1-8F46-35ECBE1BC706}" type="presParOf" srcId="{0733221A-88F2-45F0-9B51-D95742B49CEC}" destId="{C292706F-A80B-48FB-9E89-5CFAC166414F}" srcOrd="2" destOrd="0" presId="urn:microsoft.com/office/officeart/2005/8/layout/hChevron3"/>
+    <dgm:cxn modelId="{E0967D9C-C1CA-4603-8E6E-1DF89C961D29}" type="presParOf" srcId="{0733221A-88F2-45F0-9B51-D95742B49CEC}" destId="{B3A618FF-F128-4049-818D-C2DCA0872CAA}" srcOrd="3" destOrd="0" presId="urn:microsoft.com/office/officeart/2005/8/layout/hChevron3"/>
+    <dgm:cxn modelId="{DAA66A30-39A2-4EFD-BC60-242E5C72FF15}" type="presParOf" srcId="{0733221A-88F2-45F0-9B51-D95742B49CEC}" destId="{AA137684-5409-4FC6-A714-34ADCB2F2C76}" srcOrd="4" destOrd="0" presId="urn:microsoft.com/office/officeart/2005/8/layout/hChevron3"/>
+    <dgm:cxn modelId="{78191F25-3894-45A9-B608-2CAB1E865819}" type="presParOf" srcId="{0733221A-88F2-45F0-9B51-D95742B49CEC}" destId="{9CA9A0F9-9A52-4B7F-9954-AAB3C19DAAE9}" srcOrd="5" destOrd="0" presId="urn:microsoft.com/office/officeart/2005/8/layout/hChevron3"/>
+    <dgm:cxn modelId="{8D78A123-E820-490B-BF29-A266EF3422C7}" type="presParOf" srcId="{0733221A-88F2-45F0-9B51-D95742B49CEC}" destId="{B3229DB9-3BB3-4600-8AB9-923FC1B3F6F9}" srcOrd="6" destOrd="0" presId="urn:microsoft.com/office/officeart/2005/8/layout/hChevron3"/>
+    <dgm:cxn modelId="{A4214A83-CEC5-4556-9EEF-38E9BEA0CEEC}" type="presParOf" srcId="{0733221A-88F2-45F0-9B51-D95742B49CEC}" destId="{0971B852-A9F2-4C80-B590-8C82E6001D6C}" srcOrd="7" destOrd="0" presId="urn:microsoft.com/office/officeart/2005/8/layout/hChevron3"/>
+    <dgm:cxn modelId="{03E4F255-868B-48D6-8269-6A7849CDB122}" type="presParOf" srcId="{0733221A-88F2-45F0-9B51-D95742B49CEC}" destId="{82E8AAA5-D20F-41D5-AC26-1CE91B580A64}" srcOrd="8" destOrd="0" presId="urn:microsoft.com/office/officeart/2005/8/layout/hChevron3"/>
+  </dgm:cxnLst>
+  <dgm:bg/>
+  <dgm:whole/>
+  <dgm:extLst>
+    <a:ext uri="http://schemas.microsoft.com/office/drawing/2008/diagram">
+      <dsp:dataModelExt xmlns:dsp="http://schemas.microsoft.com/office/drawing/2008/diagram" relId="rId6" minVer="http://schemas.openxmlformats.org/drawingml/2006/diagram"/>
+    </a:ext>
+  </dgm:extLst>
+</dgm:dataModel>
+</file>
+
+<file path=ppt/diagrams/drawing1.xml><?xml version="1.0" encoding="utf-8"?>
+<dsp:drawing xmlns:dgm="http://schemas.openxmlformats.org/drawingml/2006/diagram" xmlns:dsp="http://schemas.microsoft.com/office/drawing/2008/diagram" xmlns:a="http://schemas.openxmlformats.org/drawingml/2006/main">
+  <dsp:spTree>
+    <dsp:nvGrpSpPr>
+      <dsp:cNvPr id="0" name=""/>
+      <dsp:cNvGrpSpPr/>
+    </dsp:nvGrpSpPr>
+    <dsp:grpSpPr/>
+    <dsp:sp modelId="{51F77FEA-1F6B-4DA5-A26D-11902C974C73}">
+      <dsp:nvSpPr>
+        <dsp:cNvPr id="0" name=""/>
+        <dsp:cNvSpPr/>
+      </dsp:nvSpPr>
+      <dsp:spPr>
+        <a:xfrm>
+          <a:off x="992" y="2322380"/>
+          <a:ext cx="1934765" cy="773906"/>
+        </a:xfrm>
+        <a:prstGeom prst="homePlate">
+          <a:avLst/>
+        </a:prstGeom>
+        <a:solidFill>
+          <a:schemeClr val="accent1">
+            <a:hueOff val="0"/>
+            <a:satOff val="0"/>
+            <a:lumOff val="0"/>
+            <a:alphaOff val="0"/>
+          </a:schemeClr>
+        </a:solidFill>
+        <a:ln w="12700" cap="flat" cmpd="sng" algn="ctr">
+          <a:solidFill>
+            <a:schemeClr val="lt1">
+              <a:hueOff val="0"/>
+              <a:satOff val="0"/>
+              <a:lumOff val="0"/>
+              <a:alphaOff val="0"/>
+            </a:schemeClr>
+          </a:solidFill>
+          <a:prstDash val="solid"/>
+          <a:miter lim="800000"/>
+        </a:ln>
+        <a:effectLst/>
+      </dsp:spPr>
+      <dsp:style>
+        <a:lnRef idx="2">
+          <a:scrgbClr r="0" g="0" b="0"/>
+        </a:lnRef>
+        <a:fillRef idx="1">
+          <a:scrgbClr r="0" g="0" b="0"/>
+        </a:fillRef>
+        <a:effectRef idx="0">
+          <a:scrgbClr r="0" g="0" b="0"/>
+        </a:effectRef>
+        <a:fontRef idx="minor">
+          <a:schemeClr val="lt1"/>
+        </a:fontRef>
+      </dsp:style>
+      <dsp:txBody>
+        <a:bodyPr spcFirstLastPara="0" vert="horz" wrap="square" lIns="80010" tIns="40005" rIns="20003" bIns="40005" numCol="1" spcCol="1270" anchor="ctr" anchorCtr="0">
+          <a:noAutofit/>
+        </a:bodyPr>
+        <a:lstStyle/>
+        <a:p>
+          <a:pPr marL="0" lvl="0" indent="0" algn="ctr" defTabSz="666750">
+            <a:lnSpc>
+              <a:spcPct val="90000"/>
+            </a:lnSpc>
+            <a:spcBef>
+              <a:spcPct val="0"/>
+            </a:spcBef>
+            <a:spcAft>
+              <a:spcPct val="35000"/>
+            </a:spcAft>
+            <a:buNone/>
+          </a:pPr>
+          <a:r>
+            <a:rPr lang="en-US" sz="1500" kern="1200" dirty="0"/>
+            <a:t>Define Problem Statement</a:t>
+          </a:r>
+        </a:p>
+      </dsp:txBody>
+      <dsp:txXfrm>
+        <a:off x="992" y="2322380"/>
+        <a:ext cx="1741289" cy="773906"/>
+      </dsp:txXfrm>
+    </dsp:sp>
+    <dsp:sp modelId="{C292706F-A80B-48FB-9E89-5CFAC166414F}">
+      <dsp:nvSpPr>
+        <dsp:cNvPr id="0" name=""/>
+        <dsp:cNvSpPr/>
+      </dsp:nvSpPr>
+      <dsp:spPr>
+        <a:xfrm>
+          <a:off x="1548804" y="2322380"/>
+          <a:ext cx="1934765" cy="773906"/>
+        </a:xfrm>
+        <a:prstGeom prst="chevron">
+          <a:avLst/>
+        </a:prstGeom>
+        <a:solidFill>
+          <a:schemeClr val="accent1">
+            <a:hueOff val="0"/>
+            <a:satOff val="0"/>
+            <a:lumOff val="0"/>
+            <a:alphaOff val="0"/>
+          </a:schemeClr>
+        </a:solidFill>
+        <a:ln w="12700" cap="flat" cmpd="sng" algn="ctr">
+          <a:solidFill>
+            <a:schemeClr val="lt1">
+              <a:hueOff val="0"/>
+              <a:satOff val="0"/>
+              <a:lumOff val="0"/>
+              <a:alphaOff val="0"/>
+            </a:schemeClr>
+          </a:solidFill>
+          <a:prstDash val="solid"/>
+          <a:miter lim="800000"/>
+        </a:ln>
+        <a:effectLst/>
+      </dsp:spPr>
+      <dsp:style>
+        <a:lnRef idx="2">
+          <a:scrgbClr r="0" g="0" b="0"/>
+        </a:lnRef>
+        <a:fillRef idx="1">
+          <a:scrgbClr r="0" g="0" b="0"/>
+        </a:fillRef>
+        <a:effectRef idx="0">
+          <a:scrgbClr r="0" g="0" b="0"/>
+        </a:effectRef>
+        <a:fontRef idx="minor">
+          <a:schemeClr val="lt1"/>
+        </a:fontRef>
+      </dsp:style>
+      <dsp:txBody>
+        <a:bodyPr spcFirstLastPara="0" vert="horz" wrap="square" lIns="60008" tIns="40005" rIns="20003" bIns="40005" numCol="1" spcCol="1270" anchor="ctr" anchorCtr="0">
+          <a:noAutofit/>
+        </a:bodyPr>
+        <a:lstStyle/>
+        <a:p>
+          <a:pPr marL="0" lvl="0" indent="0" algn="ctr" defTabSz="666750">
+            <a:lnSpc>
+              <a:spcPct val="90000"/>
+            </a:lnSpc>
+            <a:spcBef>
+              <a:spcPct val="0"/>
+            </a:spcBef>
+            <a:spcAft>
+              <a:spcPct val="35000"/>
+            </a:spcAft>
+            <a:buNone/>
+          </a:pPr>
+          <a:r>
+            <a:rPr lang="en-US" sz="1500" kern="1200" dirty="0"/>
+            <a:t>Acquire Data</a:t>
+          </a:r>
+        </a:p>
+      </dsp:txBody>
+      <dsp:txXfrm>
+        <a:off x="1935757" y="2322380"/>
+        <a:ext cx="1160859" cy="773906"/>
+      </dsp:txXfrm>
+    </dsp:sp>
+    <dsp:sp modelId="{AA137684-5409-4FC6-A714-34ADCB2F2C76}">
+      <dsp:nvSpPr>
+        <dsp:cNvPr id="0" name=""/>
+        <dsp:cNvSpPr/>
+      </dsp:nvSpPr>
+      <dsp:spPr>
+        <a:xfrm>
+          <a:off x="3096617" y="2322380"/>
+          <a:ext cx="1934765" cy="773906"/>
+        </a:xfrm>
+        <a:prstGeom prst="chevron">
+          <a:avLst/>
+        </a:prstGeom>
+        <a:solidFill>
+          <a:schemeClr val="accent1">
+            <a:hueOff val="0"/>
+            <a:satOff val="0"/>
+            <a:lumOff val="0"/>
+            <a:alphaOff val="0"/>
+          </a:schemeClr>
+        </a:solidFill>
+        <a:ln w="12700" cap="flat" cmpd="sng" algn="ctr">
+          <a:solidFill>
+            <a:schemeClr val="lt1">
+              <a:hueOff val="0"/>
+              <a:satOff val="0"/>
+              <a:lumOff val="0"/>
+              <a:alphaOff val="0"/>
+            </a:schemeClr>
+          </a:solidFill>
+          <a:prstDash val="solid"/>
+          <a:miter lim="800000"/>
+        </a:ln>
+        <a:effectLst/>
+      </dsp:spPr>
+      <dsp:style>
+        <a:lnRef idx="2">
+          <a:scrgbClr r="0" g="0" b="0"/>
+        </a:lnRef>
+        <a:fillRef idx="1">
+          <a:scrgbClr r="0" g="0" b="0"/>
+        </a:fillRef>
+        <a:effectRef idx="0">
+          <a:scrgbClr r="0" g="0" b="0"/>
+        </a:effectRef>
+        <a:fontRef idx="minor">
+          <a:schemeClr val="lt1"/>
+        </a:fontRef>
+      </dsp:style>
+      <dsp:txBody>
+        <a:bodyPr spcFirstLastPara="0" vert="horz" wrap="square" lIns="60008" tIns="40005" rIns="20003" bIns="40005" numCol="1" spcCol="1270" anchor="ctr" anchorCtr="0">
+          <a:noAutofit/>
+        </a:bodyPr>
+        <a:lstStyle/>
+        <a:p>
+          <a:pPr marL="0" lvl="0" indent="0" algn="ctr" defTabSz="666750">
+            <a:lnSpc>
+              <a:spcPct val="90000"/>
+            </a:lnSpc>
+            <a:spcBef>
+              <a:spcPct val="0"/>
+            </a:spcBef>
+            <a:spcAft>
+              <a:spcPct val="35000"/>
+            </a:spcAft>
+            <a:buNone/>
+          </a:pPr>
+          <a:r>
+            <a:rPr lang="en-US" sz="1500" kern="1200" dirty="0"/>
+            <a:t>Model Development</a:t>
+          </a:r>
+        </a:p>
+      </dsp:txBody>
+      <dsp:txXfrm>
+        <a:off x="3483570" y="2322380"/>
+        <a:ext cx="1160859" cy="773906"/>
+      </dsp:txXfrm>
+    </dsp:sp>
+    <dsp:sp modelId="{B3229DB9-3BB3-4600-8AB9-923FC1B3F6F9}">
+      <dsp:nvSpPr>
+        <dsp:cNvPr id="0" name=""/>
+        <dsp:cNvSpPr/>
+      </dsp:nvSpPr>
+      <dsp:spPr>
+        <a:xfrm>
+          <a:off x="4644429" y="2322380"/>
+          <a:ext cx="1934765" cy="773906"/>
+        </a:xfrm>
+        <a:prstGeom prst="chevron">
+          <a:avLst/>
+        </a:prstGeom>
+        <a:solidFill>
+          <a:schemeClr val="accent1">
+            <a:hueOff val="0"/>
+            <a:satOff val="0"/>
+            <a:lumOff val="0"/>
+            <a:alphaOff val="0"/>
+          </a:schemeClr>
+        </a:solidFill>
+        <a:ln w="12700" cap="flat" cmpd="sng" algn="ctr">
+          <a:solidFill>
+            <a:schemeClr val="lt1">
+              <a:hueOff val="0"/>
+              <a:satOff val="0"/>
+              <a:lumOff val="0"/>
+              <a:alphaOff val="0"/>
+            </a:schemeClr>
+          </a:solidFill>
+          <a:prstDash val="solid"/>
+          <a:miter lim="800000"/>
+        </a:ln>
+        <a:effectLst/>
+      </dsp:spPr>
+      <dsp:style>
+        <a:lnRef idx="2">
+          <a:scrgbClr r="0" g="0" b="0"/>
+        </a:lnRef>
+        <a:fillRef idx="1">
+          <a:scrgbClr r="0" g="0" b="0"/>
+        </a:fillRef>
+        <a:effectRef idx="0">
+          <a:scrgbClr r="0" g="0" b="0"/>
+        </a:effectRef>
+        <a:fontRef idx="minor">
+          <a:schemeClr val="lt1"/>
+        </a:fontRef>
+      </dsp:style>
+      <dsp:txBody>
+        <a:bodyPr spcFirstLastPara="0" vert="horz" wrap="square" lIns="60008" tIns="40005" rIns="20003" bIns="40005" numCol="1" spcCol="1270" anchor="ctr" anchorCtr="0">
+          <a:noAutofit/>
+        </a:bodyPr>
+        <a:lstStyle/>
+        <a:p>
+          <a:pPr marL="0" lvl="0" indent="0" algn="ctr" defTabSz="666750">
+            <a:lnSpc>
+              <a:spcPct val="90000"/>
+            </a:lnSpc>
+            <a:spcBef>
+              <a:spcPct val="0"/>
+            </a:spcBef>
+            <a:spcAft>
+              <a:spcPct val="35000"/>
+            </a:spcAft>
+            <a:buNone/>
+          </a:pPr>
+          <a:r>
+            <a:rPr lang="en-US" sz="1500" kern="1200" dirty="0"/>
+            <a:t>Interpret &amp; Communicate</a:t>
+          </a:r>
+        </a:p>
+      </dsp:txBody>
+      <dsp:txXfrm>
+        <a:off x="5031382" y="2322380"/>
+        <a:ext cx="1160859" cy="773906"/>
+      </dsp:txXfrm>
+    </dsp:sp>
+    <dsp:sp modelId="{82E8AAA5-D20F-41D5-AC26-1CE91B580A64}">
+      <dsp:nvSpPr>
+        <dsp:cNvPr id="0" name=""/>
+        <dsp:cNvSpPr/>
+      </dsp:nvSpPr>
+      <dsp:spPr>
+        <a:xfrm>
+          <a:off x="6192242" y="2322380"/>
+          <a:ext cx="1934765" cy="773906"/>
+        </a:xfrm>
+        <a:prstGeom prst="chevron">
+          <a:avLst/>
+        </a:prstGeom>
+        <a:solidFill>
+          <a:schemeClr val="accent1">
+            <a:hueOff val="0"/>
+            <a:satOff val="0"/>
+            <a:lumOff val="0"/>
+            <a:alphaOff val="0"/>
+          </a:schemeClr>
+        </a:solidFill>
+        <a:ln w="12700" cap="flat" cmpd="sng" algn="ctr">
+          <a:solidFill>
+            <a:schemeClr val="lt1">
+              <a:hueOff val="0"/>
+              <a:satOff val="0"/>
+              <a:lumOff val="0"/>
+              <a:alphaOff val="0"/>
+            </a:schemeClr>
+          </a:solidFill>
+          <a:prstDash val="solid"/>
+          <a:miter lim="800000"/>
+        </a:ln>
+        <a:effectLst/>
+      </dsp:spPr>
+      <dsp:style>
+        <a:lnRef idx="2">
+          <a:scrgbClr r="0" g="0" b="0"/>
+        </a:lnRef>
+        <a:fillRef idx="1">
+          <a:scrgbClr r="0" g="0" b="0"/>
+        </a:fillRef>
+        <a:effectRef idx="0">
+          <a:scrgbClr r="0" g="0" b="0"/>
+        </a:effectRef>
+        <a:fontRef idx="minor">
+          <a:schemeClr val="lt1"/>
+        </a:fontRef>
+      </dsp:style>
+      <dsp:txBody>
+        <a:bodyPr spcFirstLastPara="0" vert="horz" wrap="square" lIns="60008" tIns="40005" rIns="20003" bIns="40005" numCol="1" spcCol="1270" anchor="ctr" anchorCtr="0">
+          <a:noAutofit/>
+        </a:bodyPr>
+        <a:lstStyle/>
+        <a:p>
+          <a:pPr marL="0" lvl="0" indent="0" algn="ctr" defTabSz="666750">
+            <a:lnSpc>
+              <a:spcPct val="90000"/>
+            </a:lnSpc>
+            <a:spcBef>
+              <a:spcPct val="0"/>
+            </a:spcBef>
+            <a:spcAft>
+              <a:spcPct val="35000"/>
+            </a:spcAft>
+            <a:buNone/>
+          </a:pPr>
+          <a:r>
+            <a:rPr lang="en-US" sz="1500" kern="1200" dirty="0"/>
+            <a:t>Deploy in Production</a:t>
+          </a:r>
+        </a:p>
+      </dsp:txBody>
+      <dsp:txXfrm>
+        <a:off x="6579195" y="2322380"/>
+        <a:ext cx="1160859" cy="773906"/>
+      </dsp:txXfrm>
+    </dsp:sp>
+  </dsp:spTree>
+</dsp:drawing>
+</file>
+
+<file path=ppt/diagrams/layout1.xml><?xml version="1.0" encoding="utf-8"?>
+<dgm:layoutDef xmlns:dgm="http://schemas.openxmlformats.org/drawingml/2006/diagram" xmlns:a="http://schemas.openxmlformats.org/drawingml/2006/main" uniqueId="urn:microsoft.com/office/officeart/2005/8/layout/hChevron3">
+  <dgm:title val=""/>
+  <dgm:desc val=""/>
+  <dgm:catLst>
+    <dgm:cat type="process" pri="10000"/>
+  </dgm:catLst>
+  <dgm:sampData useDef="1">
+    <dgm:dataModel>
+      <dgm:ptLst/>
+      <dgm:bg/>
+      <dgm:whole/>
+    </dgm:dataModel>
+  </dgm:sampData>
+  <dgm:styleData>
+    <dgm:dataModel>
+      <dgm:ptLst>
+        <dgm:pt modelId="0" type="doc"/>
+        <dgm:pt modelId="1"/>
+        <dgm:pt modelId="2"/>
+      </dgm:ptLst>
+      <dgm:cxnLst>
+        <dgm:cxn modelId="3" srcId="0" destId="1" srcOrd="0" destOrd="0"/>
+        <dgm:cxn modelId="4" srcId="0" destId="2" srcOrd="1" destOrd="0"/>
+      </dgm:cxnLst>
+      <dgm:bg/>
+      <dgm:whole/>
+    </dgm:dataModel>
+  </dgm:styleData>
+  <dgm:clrData>
+    <dgm:dataModel>
+      <dgm:ptLst>
+        <dgm:pt modelId="0" type="doc"/>
+        <dgm:pt modelId="1"/>
+        <dgm:pt modelId="2"/>
+        <dgm:pt modelId="3"/>
+        <dgm:pt modelId="4"/>
+      </dgm:ptLst>
+      <dgm:cxnLst>
+        <dgm:cxn modelId="5" srcId="0" destId="1" srcOrd="0" destOrd="0"/>
+        <dgm:cxn modelId="6" srcId="0" destId="2" srcOrd="1" destOrd="0"/>
+        <dgm:cxn modelId="7" srcId="0" destId="3" srcOrd="2" destOrd="0"/>
+        <dgm:cxn modelId="8" srcId="0" destId="4" srcOrd="3" destOrd="0"/>
+      </dgm:cxnLst>
+      <dgm:bg/>
+      <dgm:whole/>
+    </dgm:dataModel>
+  </dgm:clrData>
+  <dgm:layoutNode name="Name0">
+    <dgm:varLst>
+      <dgm:dir/>
+      <dgm:resizeHandles val="exact"/>
+    </dgm:varLst>
+    <dgm:choose name="Name1">
+      <dgm:if name="Name2" func="var" arg="dir" op="equ" val="norm">
+        <dgm:alg type="lin"/>
+      </dgm:if>
+      <dgm:else name="Name3">
+        <dgm:alg type="lin">
+          <dgm:param type="linDir" val="fromR"/>
+        </dgm:alg>
+      </dgm:else>
+    </dgm:choose>
+    <dgm:shape xmlns:r="http://schemas.openxmlformats.org/officeDocument/2006/relationships" r:blip="">
+      <dgm:adjLst/>
+    </dgm:shape>
+    <dgm:presOf/>
+    <dgm:choose name="Name4">
+      <dgm:if name="Name5" axis="root des" func="maxDepth" op="gte" val="2">
+        <dgm:constrLst>
+          <dgm:constr type="w" for="ch" forName="parAndChTx" refType="w"/>
+          <dgm:constr type="primFontSz" for="ch" ptType="node" op="equ"/>
+          <dgm:constr type="w" for="ch" forName="parAndChSpace" refType="w" refFor="ch" refForName="parAndChTx" fact="-0.2"/>
+          <dgm:constr type="w" for="ch" ptType="sibTrans" op="equ"/>
+        </dgm:constrLst>
+        <dgm:ruleLst/>
+        <dgm:forEach name="Name6" axis="ch" ptType="node">
+          <dgm:layoutNode name="parAndChTx">
+            <dgm:varLst>
+              <dgm:bulletEnabled val="1"/>
+            </dgm:varLst>
+            <dgm:alg type="tx"/>
+            <dgm:choose name="Name7">
+              <dgm:if name="Name8" func="var" arg="dir" op="equ" val="norm">
+                <dgm:choose name="Name9">
+                  <dgm:if name="Name10" axis="self" ptType="node" func="pos" op="equ" val="1">
+                    <dgm:shape xmlns:r="http://schemas.openxmlformats.org/officeDocument/2006/relationships" type="homePlate" r:blip="">
+                      <dgm:adjLst>
+                        <dgm:adj idx="1" val="0.25"/>
+                      </dgm:adjLst>
+                    </dgm:shape>
+                    <dgm:presOf axis="desOrSelf" ptType="node"/>
+                    <dgm:constrLst>
+                      <dgm:constr type="h" refType="w" op="equ" fact="0.8"/>
+                      <dgm:constr type="primFontSz" val="65"/>
+                      <dgm:constr type="tMarg" refType="primFontSz" fact="0.2"/>
+                      <dgm:constr type="bMarg" refType="primFontSz" fact="0.2"/>
+                      <dgm:constr type="lMarg" refType="w" fact="0.1"/>
+                      <dgm:constr type="rMarg" refType="w" fact="0.4"/>
+                    </dgm:constrLst>
+                  </dgm:if>
+                  <dgm:else name="Name11">
+                    <dgm:shape xmlns:r="http://schemas.openxmlformats.org/officeDocument/2006/relationships" type="chevron" r:blip="">
+                      <dgm:adjLst>
+                        <dgm:adj idx="1" val="0.25"/>
+                      </dgm:adjLst>
+                    </dgm:shape>
+                    <dgm:presOf axis="desOrSelf" ptType="node"/>
+                    <dgm:constrLst>
+                      <dgm:constr type="h" refType="w" op="equ" fact="0.8"/>
+                      <dgm:constr type="primFontSz" val="65"/>
+                      <dgm:constr type="tMarg" refType="primFontSz" fact="0.2"/>
+                      <dgm:constr type="bMarg" refType="primFontSz" fact="0.2"/>
+                      <dgm:constr type="lMarg" refType="w" fact="0.1"/>
+                      <dgm:constr type="rMarg" refType="w" fact="0.1"/>
+                    </dgm:constrLst>
+                  </dgm:else>
+                </dgm:choose>
+              </dgm:if>
+              <dgm:else name="Name12">
+                <dgm:choose name="Name13">
+                  <dgm:if name="Name14" axis="self" ptType="node" func="pos" op="equ" val="1">
+                    <dgm:shape xmlns:r="http://schemas.openxmlformats.org/officeDocument/2006/relationships" rot="180" type="homePlate" r:blip="">
+                      <dgm:adjLst>
+                        <dgm:adj idx="1" val="0.25"/>
+                      </dgm:adjLst>
+                    </dgm:shape>
+                    <dgm:presOf axis="desOrSelf" ptType="node"/>
+                    <dgm:constrLst>
+                      <dgm:constr type="h" refType="w" op="equ" fact="0.8"/>
+                      <dgm:constr type="primFontSz" val="65"/>
+                      <dgm:constr type="tMarg" refType="primFontSz" fact="0.2"/>
+                      <dgm:constr type="bMarg" refType="primFontSz" fact="0.2"/>
+                      <dgm:constr type="lMarg" refType="w" fact="0.4"/>
+                      <dgm:constr type="rMarg" refType="w" fact="0.1"/>
+                    </dgm:constrLst>
+                  </dgm:if>
+                  <dgm:else name="Name15">
+                    <dgm:shape xmlns:r="http://schemas.openxmlformats.org/officeDocument/2006/relationships" rot="180" type="chevron" r:blip="">
+                      <dgm:adjLst>
+                        <dgm:adj idx="1" val="0.25"/>
+                      </dgm:adjLst>
+                    </dgm:shape>
+                    <dgm:presOf axis="desOrSelf" ptType="node"/>
+                    <dgm:constrLst>
+                      <dgm:constr type="h" refType="w" op="equ" fact="0.8"/>
+                      <dgm:constr type="primFontSz" val="65"/>
+                      <dgm:constr type="tMarg" refType="primFontSz" fact="0.2"/>
+                      <dgm:constr type="bMarg" refType="primFontSz" fact="0.2"/>
+                      <dgm:constr type="lMarg" refType="w" fact="0.1"/>
+                      <dgm:constr type="rMarg" refType="w" fact="0.1"/>
+                    </dgm:constrLst>
+                  </dgm:else>
+                </dgm:choose>
+              </dgm:else>
+            </dgm:choose>
+            <dgm:ruleLst>
+              <dgm:rule type="primFontSz" val="5" fact="NaN" max="NaN"/>
+            </dgm:ruleLst>
+          </dgm:layoutNode>
+          <dgm:forEach name="Name16" axis="followSib" ptType="sibTrans" cnt="1">
+            <dgm:layoutNode name="parAndChSpace">
+              <dgm:alg type="sp"/>
+              <dgm:shape xmlns:r="http://schemas.openxmlformats.org/officeDocument/2006/relationships" r:blip="">
+                <dgm:adjLst/>
+              </dgm:shape>
+              <dgm:presOf/>
+              <dgm:constrLst/>
+              <dgm:ruleLst/>
+            </dgm:layoutNode>
+          </dgm:forEach>
+        </dgm:forEach>
+      </dgm:if>
+      <dgm:else name="Name17">
+        <dgm:constrLst>
+          <dgm:constr type="w" for="ch" forName="parTxOnly" refType="w"/>
+          <dgm:constr type="primFontSz" for="ch" ptType="node" op="equ"/>
+          <dgm:constr type="w" for="ch" forName="parSpace" refType="w" refFor="ch" refForName="parTxOnly" fact="-0.2"/>
+          <dgm:constr type="w" for="ch" ptType="sibTrans" op="equ"/>
+        </dgm:constrLst>
+        <dgm:ruleLst/>
+        <dgm:forEach name="Name18" axis="ch" ptType="node">
+          <dgm:layoutNode name="parTxOnly">
+            <dgm:varLst>
+              <dgm:bulletEnabled val="1"/>
+            </dgm:varLst>
+            <dgm:alg type="tx"/>
+            <dgm:presOf axis="desOrSelf" ptType="node"/>
+            <dgm:choose name="Name19">
+              <dgm:if name="Name20" func="var" arg="dir" op="equ" val="norm">
+                <dgm:choose name="Name21">
+                  <dgm:if name="Name22" axis="self" ptType="node" func="pos" op="equ" val="1">
+                    <dgm:shape xmlns:r="http://schemas.openxmlformats.org/officeDocument/2006/relationships" type="homePlate" r:blip="">
+                      <dgm:adjLst/>
+                    </dgm:shape>
+                    <dgm:constrLst>
+                      <dgm:constr type="h" refType="w" op="equ" fact="0.4"/>
+                      <dgm:constr type="primFontSz" val="65"/>
+                      <dgm:constr type="tMarg" refType="primFontSz" fact="0.21"/>
+                      <dgm:constr type="bMarg" refType="primFontSz" fact="0.21"/>
+                      <dgm:constr type="lMarg" refType="primFontSz" fact="0.42"/>
+                      <dgm:constr type="rMarg" refType="primFontSz" fact="0.105"/>
+                    </dgm:constrLst>
+                  </dgm:if>
+                  <dgm:else name="Name23">
+                    <dgm:shape xmlns:r="http://schemas.openxmlformats.org/officeDocument/2006/relationships" type="chevron" r:blip="">
+                      <dgm:adjLst/>
+                    </dgm:shape>
+                    <dgm:constrLst>
+                      <dgm:constr type="h" refType="w" op="equ" fact="0.4"/>
+                      <dgm:constr type="primFontSz" val="65"/>
+                      <dgm:constr type="tMarg" refType="primFontSz" fact="0.21"/>
+                      <dgm:constr type="bMarg" refType="primFontSz" fact="0.21"/>
+                      <dgm:constr type="lMarg" refType="primFontSz" fact="0.315"/>
+                      <dgm:constr type="rMarg" refType="primFontSz" fact="0.105"/>
+                    </dgm:constrLst>
+                  </dgm:else>
+                </dgm:choose>
+              </dgm:if>
+              <dgm:else name="Name24">
+                <dgm:choose name="Name25">
+                  <dgm:if name="Name26" axis="self" ptType="node" func="pos" op="equ" val="1">
+                    <dgm:shape xmlns:r="http://schemas.openxmlformats.org/officeDocument/2006/relationships" rot="180" type="homePlate" r:blip="">
+                      <dgm:adjLst/>
+                    </dgm:shape>
+                    <dgm:constrLst>
+                      <dgm:constr type="h" refType="w" op="equ" fact="0.4"/>
+                      <dgm:constr type="primFontSz" val="65"/>
+                      <dgm:constr type="tMarg" refType="primFontSz" fact="0.21"/>
+                      <dgm:constr type="bMarg" refType="primFontSz" fact="0.21"/>
+                      <dgm:constr type="lMarg" refType="primFontSz" fact="0.105"/>
+                      <dgm:constr type="rMarg" refType="primFontSz" fact="0.42"/>
+                    </dgm:constrLst>
+                  </dgm:if>
+                  <dgm:else name="Name27">
+                    <dgm:shape xmlns:r="http://schemas.openxmlformats.org/officeDocument/2006/relationships" rot="180" type="chevron" r:blip="">
+                      <dgm:adjLst/>
+                    </dgm:shape>
+                    <dgm:constrLst>
+                      <dgm:constr type="h" refType="w" op="equ" fact="0.4"/>
+                      <dgm:constr type="primFontSz" val="65"/>
+                      <dgm:constr type="tMarg" refType="primFontSz" fact="0.21"/>
+                      <dgm:constr type="bMarg" refType="primFontSz" fact="0.21"/>
+                      <dgm:constr type="lMarg" refType="primFontSz" fact="0.105"/>
+                      <dgm:constr type="rMarg" refType="primFontSz" fact="0.315"/>
+                    </dgm:constrLst>
+                  </dgm:else>
+                </dgm:choose>
+              </dgm:else>
+            </dgm:choose>
+            <dgm:ruleLst>
+              <dgm:rule type="primFontSz" val="5" fact="NaN" max="NaN"/>
+            </dgm:ruleLst>
+          </dgm:layoutNode>
+          <dgm:forEach name="Name28" axis="followSib" ptType="sibTrans" cnt="1">
+            <dgm:layoutNode name="parSpace">
+              <dgm:alg type="sp"/>
+              <dgm:shape xmlns:r="http://schemas.openxmlformats.org/officeDocument/2006/relationships" r:blip="">
+                <dgm:adjLst/>
+              </dgm:shape>
+              <dgm:presOf/>
+              <dgm:constrLst/>
+              <dgm:ruleLst/>
+            </dgm:layoutNode>
+          </dgm:forEach>
+        </dgm:forEach>
+      </dgm:else>
+    </dgm:choose>
+  </dgm:layoutNode>
+</dgm:layoutDef>
+</file>
+
+<file path=ppt/diagrams/quickStyle1.xml><?xml version="1.0" encoding="utf-8"?>
+<dgm:styleDef xmlns:dgm="http://schemas.openxmlformats.org/drawingml/2006/diagram" xmlns:a="http://schemas.openxmlformats.org/drawingml/2006/main" uniqueId="urn:microsoft.com/office/officeart/2005/8/quickstyle/simple1">
+  <dgm:title val=""/>
+  <dgm:desc val=""/>
+  <dgm:catLst>
+    <dgm:cat type="simple" pri="10100"/>
+  </dgm:catLst>
+  <dgm:scene3d>
+    <a:camera prst="orthographicFront"/>
+    <a:lightRig rig="threePt" dir="t"/>
+  </dgm:scene3d>
+  <dgm:styleLbl name="node0">
+    <dgm:scene3d>
+      <a:camera prst="orthographicFront"/>
+      <a:lightRig rig="threePt" dir="t"/>
+    </dgm:scene3d>
+    <dgm:sp3d/>
+    <dgm:txPr/>
+    <dgm:style>
+      <a:lnRef idx="2">
+        <a:scrgbClr r="0" g="0" b="0"/>
+      </a:lnRef>
+      <a:fillRef idx="1">
+        <a:scrgbClr r="0" g="0" b="0"/>
+      </a:fillRef>
+      <a:effectRef idx="0">
+        <a:scrgbClr r="0" g="0" b="0"/>
+      </a:effectRef>
+      <a:fontRef idx="minor">
+        <a:schemeClr val="lt1"/>
+      </a:fontRef>
+    </dgm:style>
+  </dgm:styleLbl>
+  <dgm:styleLbl name="lnNode1">
+    <dgm:scene3d>
+      <a:camera prst="orthographicFront"/>
+      <a:lightRig rig="threePt" dir="t"/>
+    </dgm:scene3d>
+    <dgm:sp3d/>
+    <dgm:txPr/>
+    <dgm:style>
+      <a:lnRef idx="2">
+        <a:scrgbClr r="0" g="0" b="0"/>
+      </a:lnRef>
+      <a:fillRef idx="1">
+        <a:scrgbClr r="0" g="0" b="0"/>
+      </a:fillRef>
+      <a:effectRef idx="0">
+        <a:scrgbClr r="0" g="0" b="0"/>
+      </a:effectRef>
+      <a:fontRef idx="minor">
+        <a:schemeClr val="lt1"/>
+      </a:fontRef>
+    </dgm:style>
+  </dgm:styleLbl>
+  <dgm:styleLbl name="vennNode1">
+    <dgm:scene3d>
+      <a:camera prst="orthographicFront"/>
+      <a:lightRig rig="threePt" dir="t"/>
+    </dgm:scene3d>
+    <dgm:sp3d/>
+    <dgm:txPr/>
+    <dgm:style>
+      <a:lnRef idx="2">
+        <a:scrgbClr r="0" g="0" b="0"/>
+      </a:lnRef>
+      <a:fillRef idx="1">
+        <a:scrgbClr r="0" g="0" b="0"/>
+      </a:fillRef>
+      <a:effectRef idx="0">
+        <a:scrgbClr r="0" g="0" b="0"/>
+      </a:effectRef>
+      <a:fontRef idx="minor">
+        <a:schemeClr val="tx1"/>
+      </a:fontRef>
+    </dgm:style>
+  </dgm:styleLbl>
+  <dgm:styleLbl name="alignNode1">
+    <dgm:scene3d>
+      <a:camera prst="orthographicFront"/>
+      <a:lightRig rig="threePt" dir="t"/>
+    </dgm:scene3d>
+    <dgm:sp3d/>
+    <dgm:txPr/>
+    <dgm:style>
+      <a:lnRef idx="2">
+        <a:scrgbClr r="0" g="0" b="0"/>
+      </a:lnRef>
+      <a:fillRef idx="1">
+        <a:scrgbClr r="0" g="0" b="0"/>
+      </a:fillRef>
+      <a:effectRef idx="0">
+        <a:scrgbClr r="0" g="0" b="0"/>
+      </a:effectRef>
+      <a:fontRef idx="minor">
+        <a:schemeClr val="lt1"/>
+      </a:fontRef>
+    </dgm:style>
+  </dgm:styleLbl>
+  <dgm:styleLbl name="node1">
+    <dgm:scene3d>
+      <a:camera prst="orthographicFront"/>
+      <a:lightRig rig="threePt" dir="t"/>
+    </dgm:scene3d>
+    <dgm:sp3d/>
+    <dgm:txPr/>
+    <dgm:style>
+      <a:lnRef idx="2">
+        <a:scrgbClr r="0" g="0" b="0"/>
+      </a:lnRef>
+      <a:fillRef idx="1">
+        <a:scrgbClr r="0" g="0" b="0"/>
+      </a:fillRef>
+      <a:effectRef idx="0">
+        <a:scrgbClr r="0" g="0" b="0"/>
+      </a:effectRef>
+      <a:fontRef idx="minor">
+        <a:schemeClr val="lt1"/>
+      </a:fontRef>
+    </dgm:style>
+  </dgm:styleLbl>
+  <dgm:styleLbl name="node2">
+    <dgm:scene3d>
+      <a:camera prst="orthographicFront"/>
+      <a:lightRig rig="threePt" dir="t"/>
+    </dgm:scene3d>
+    <dgm:sp3d/>
+    <dgm:txPr/>
+    <dgm:style>
+      <a:lnRef idx="2">
+        <a:scrgbClr r="0" g="0" b="0"/>
+      </a:lnRef>
+      <a:fillRef idx="1">
+        <a:scrgbClr r="0" g="0" b="0"/>
+      </a:fillRef>
+      <a:effectRef idx="0">
+        <a:scrgbClr r="0" g="0" b="0"/>
+      </a:effectRef>
+      <a:fontRef idx="minor">
+        <a:schemeClr val="lt1"/>
+      </a:fontRef>
+    </dgm:style>
+  </dgm:styleLbl>
+  <dgm:styleLbl name="node3">
+    <dgm:scene3d>
+      <a:camera prst="orthographicFront"/>
+      <a:lightRig rig="threePt" dir="t"/>
+    </dgm:scene3d>
+    <dgm:sp3d/>
+    <dgm:txPr/>
+    <dgm:style>
+      <a:lnRef idx="2">
+        <a:scrgbClr r="0" g="0" b="0"/>
+      </a:lnRef>
+      <a:fillRef idx="1">
+        <a:scrgbClr r="0" g="0" b="0"/>
+      </a:fillRef>
+      <a:effectRef idx="0">
+        <a:scrgbClr r="0" g="0" b="0"/>
+      </a:effectRef>
+      <a:fontRef idx="minor">
+        <a:schemeClr val="lt1"/>
+      </a:fontRef>
+    </dgm:style>
+  </dgm:styleLbl>
+  <dgm:styleLbl name="node4">
+    <dgm:scene3d>
+      <a:camera prst="orthographicFront"/>
+      <a:lightRig rig="threePt" dir="t"/>
+    </dgm:scene3d>
+    <dgm:sp3d/>
+    <dgm:txPr/>
+    <dgm:style>
+      <a:lnRef idx="2">
+        <a:scrgbClr r="0" g="0" b="0"/>
+      </a:lnRef>
+      <a:fillRef idx="1">
+        <a:scrgbClr r="0" g="0" b="0"/>
+      </a:fillRef>
+      <a:effectRef idx="0">
+        <a:scrgbClr r="0" g="0" b="0"/>
+      </a:effectRef>
+      <a:fontRef idx="minor">
+        <a:schemeClr val="lt1"/>
+      </a:fontRef>
+    </dgm:style>
+  </dgm:styleLbl>
+  <dgm:styleLbl name="fgImgPlace1">
+    <dgm:scene3d>
+      <a:camera prst="orthographicFront"/>
+      <a:lightRig rig="threePt" dir="t"/>
+    </dgm:scene3d>
+    <dgm:sp3d/>
+    <dgm:txPr/>
+    <dgm:style>
+      <a:lnRef idx="2">
+        <a:scrgbClr r="0" g="0" b="0"/>
+      </a:lnRef>
+      <a:fillRef idx="1">
+        <a:scrgbClr r="0" g="0" b="0"/>
+      </a:fillRef>
+      <a:effectRef idx="0">
+        <a:scrgbClr r="0" g="0" b="0"/>
+      </a:effectRef>
+      <a:fontRef idx="minor"/>
+    </dgm:style>
+  </dgm:styleLbl>
+  <dgm:styleLbl name="alignImgPlace1">
+    <dgm:scene3d>
+      <a:camera prst="orthographicFront"/>
+      <a:lightRig rig="threePt" dir="t"/>
+    </dgm:scene3d>
+    <dgm:sp3d/>
+    <dgm:txPr/>
+    <dgm:style>
+      <a:lnRef idx="2">
+        <a:scrgbClr r="0" g="0" b="0"/>
+      </a:lnRef>
+      <a:fillRef idx="1">
+        <a:scrgbClr r="0" g="0" b="0"/>
+      </a:fillRef>
+      <a:effectRef idx="0">
+        <a:scrgbClr r="0" g="0" b="0"/>
+      </a:effectRef>
+      <a:fontRef idx="minor"/>
+    </dgm:style>
+  </dgm:styleLbl>
+  <dgm:styleLbl name="bgImgPlace1">
+    <dgm:scene3d>
+      <a:camera prst="orthographicFront"/>
+      <a:lightRig rig="threePt" dir="t"/>
+    </dgm:scene3d>
+    <dgm:sp3d/>
+    <dgm:txPr/>
+    <dgm:style>
+      <a:lnRef idx="2">
+        <a:scrgbClr r="0" g="0" b="0"/>
+      </a:lnRef>
+      <a:fillRef idx="1">
+        <a:scrgbClr r="0" g="0" b="0"/>
+      </a:fillRef>
+      <a:effectRef idx="0">
+        <a:scrgbClr r="0" g="0" b="0"/>
+      </a:effectRef>
+      <a:fontRef idx="minor"/>
+    </dgm:style>
+  </dgm:styleLbl>
+  <dgm:styleLbl name="sibTrans2D1">
+    <dgm:scene3d>
+      <a:camera prst="orthographicFront"/>
+      <a:lightRig rig="threePt" dir="t"/>
+    </dgm:scene3d>
+    <dgm:sp3d/>
+    <dgm:txPr/>
+    <dgm:style>
+      <a:lnRef idx="0">
+        <a:scrgbClr r="0" g="0" b="0"/>
+      </a:lnRef>
+      <a:fillRef idx="1">
+        <a:scrgbClr r="0" g="0" b="0"/>
+      </a:fillRef>
+      <a:effectRef idx="0">
+        <a:scrgbClr r="0" g="0" b="0"/>
+      </a:effectRef>
+      <a:fontRef idx="minor">
+        <a:schemeClr val="lt1"/>
+      </a:fontRef>
+    </dgm:style>
+  </dgm:styleLbl>
+  <dgm:styleLbl name="fgSibTrans2D1">
+    <dgm:scene3d>
+      <a:camera prst="orthographicFront"/>
+      <a:lightRig rig="threePt" dir="t"/>
+    </dgm:scene3d>
+    <dgm:sp3d/>
+    <dgm:txPr/>
+    <dgm:style>
+      <a:lnRef idx="0">
+        <a:scrgbClr r="0" g="0" b="0"/>
+      </a:lnRef>
+      <a:fillRef idx="1">
+        <a:scrgbClr r="0" g="0" b="0"/>
+      </a:fillRef>
+      <a:effectRef idx="0">
+        <a:scrgbClr r="0" g="0" b="0"/>
+      </a:effectRef>
+      <a:fontRef idx="minor">
+        <a:schemeClr val="lt1"/>
+      </a:fontRef>
+    </dgm:style>
+  </dgm:styleLbl>
+  <dgm:styleLbl name="bgSibTrans2D1">
+    <dgm:scene3d>
+      <a:camera prst="orthographicFront"/>
+      <a:lightRig rig="threePt" dir="t"/>
+    </dgm:scene3d>
+    <dgm:sp3d/>
+    <dgm:txPr/>
+    <dgm:style>
+      <a:lnRef idx="0">
+        <a:scrgbClr r="0" g="0" b="0"/>
+      </a:lnRef>
+      <a:fillRef idx="1">
+        <a:scrgbClr r="0" g="0" b="0"/>
+      </a:fillRef>
+      <a:effectRef idx="0">
+        <a:scrgbClr r="0" g="0" b="0"/>
+      </a:effectRef>
+      <a:fontRef idx="minor">
+        <a:schemeClr val="lt1"/>
+      </a:fontRef>
+    </dgm:style>
+  </dgm:styleLbl>
+  <dgm:styleLbl name="sibTrans1D1">
+    <dgm:scene3d>
+      <a:camera prst="orthographicFront"/>
+      <a:lightRig rig="threePt" dir="t"/>
+    </dgm:scene3d>
+    <dgm:sp3d/>
+    <dgm:txPr/>
+    <dgm:style>
+      <a:lnRef idx="1">
+        <a:scrgbClr r="0" g="0" b="0"/>
+      </a:lnRef>
+      <a:fillRef idx="0">
+        <a:scrgbClr r="0" g="0" b="0"/>
+      </a:fillRef>
+      <a:effectRef idx="0">
+        <a:scrgbClr r="0" g="0" b="0"/>
+      </a:effectRef>
+      <a:fontRef idx="minor"/>
+    </dgm:style>
+  </dgm:styleLbl>
+  <dgm:styleLbl name="callout">
+    <dgm:scene3d>
+      <a:camera prst="orthographicFront"/>
+      <a:lightRig rig="threePt" dir="t"/>
+    </dgm:scene3d>
+    <dgm:sp3d/>
+    <dgm:txPr/>
+    <dgm:style>
+      <a:lnRef idx="2">
+        <a:scrgbClr r="0" g="0" b="0"/>
+      </a:lnRef>
+      <a:fillRef idx="1">
+        <a:scrgbClr r="0" g="0" b="0"/>
+      </a:fillRef>
+      <a:effectRef idx="0">
+        <a:scrgbClr r="0" g="0" b="0"/>
+      </a:effectRef>
+      <a:fontRef idx="minor"/>
+    </dgm:style>
+  </dgm:styleLbl>
+  <dgm:styleLbl name="asst0">
+    <dgm:scene3d>
+      <a:camera prst="orthographicFront"/>
+      <a:lightRig rig="threePt" dir="t"/>
+    </dgm:scene3d>
+    <dgm:sp3d/>
+    <dgm:txPr/>
+    <dgm:style>
+      <a:lnRef idx="2">
+        <a:scrgbClr r="0" g="0" b="0"/>
+      </a:lnRef>
+      <a:fillRef idx="1">
+        <a:scrgbClr r="0" g="0" b="0"/>
+      </a:fillRef>
+      <a:effectRef idx="0">
+        <a:scrgbClr r="0" g="0" b="0"/>
+      </a:effectRef>
+      <a:fontRef idx="minor">
+        <a:schemeClr val="lt1"/>
+      </a:fontRef>
+    </dgm:style>
+  </dgm:styleLbl>
+  <dgm:styleLbl name="asst1">
+    <dgm:scene3d>
+      <a:camera prst="orthographicFront"/>
+      <a:lightRig rig="threePt" dir="t"/>
+    </dgm:scene3d>
+    <dgm:sp3d/>
+    <dgm:txPr/>
+    <dgm:style>
+      <a:lnRef idx="2">
+        <a:scrgbClr r="0" g="0" b="0"/>
+      </a:lnRef>
+      <a:fillRef idx="1">
+        <a:scrgbClr r="0" g="0" b="0"/>
+      </a:fillRef>
+      <a:effectRef idx="0">
+        <a:scrgbClr r="0" g="0" b="0"/>
+      </a:effectRef>
+      <a:fontRef idx="minor">
+        <a:schemeClr val="lt1"/>
+      </a:fontRef>
+    </dgm:style>
+  </dgm:styleLbl>
+  <dgm:styleLbl name="asst2">
+    <dgm:scene3d>
+      <a:camera prst="orthographicFront"/>
+      <a:lightRig rig="threePt" dir="t"/>
+    </dgm:scene3d>
+    <dgm:sp3d/>
+    <dgm:txPr/>
+    <dgm:style>
+      <a:lnRef idx="2">
+        <a:scrgbClr r="0" g="0" b="0"/>
+      </a:lnRef>
+      <a:fillRef idx="1">
+        <a:scrgbClr r="0" g="0" b="0"/>
+      </a:fillRef>
+      <a:effectRef idx="0">
+        <a:scrgbClr r="0" g="0" b="0"/>
+      </a:effectRef>
+      <a:fontRef idx="minor">
+        <a:schemeClr val="lt1"/>
+      </a:fontRef>
+    </dgm:style>
+  </dgm:styleLbl>
+  <dgm:styleLbl name="asst3">
+    <dgm:scene3d>
+      <a:camera prst="orthographicFront"/>
+      <a:lightRig rig="threePt" dir="t"/>
+    </dgm:scene3d>
+    <dgm:sp3d/>
+    <dgm:txPr/>
+    <dgm:style>
+      <a:lnRef idx="2">
+        <a:scrgbClr r="0" g="0" b="0"/>
+      </a:lnRef>
+      <a:fillRef idx="1">
+        <a:scrgbClr r="0" g="0" b="0"/>
+      </a:fillRef>
+      <a:effectRef idx="0">
+        <a:scrgbClr r="0" g="0" b="0"/>
+      </a:effectRef>
+      <a:fontRef idx="minor">
+        <a:schemeClr val="lt1"/>
+      </a:fontRef>
+    </dgm:style>
+  </dgm:styleLbl>
+  <dgm:styleLbl name="asst4">
+    <dgm:scene3d>
+      <a:camera prst="orthographicFront"/>
+      <a:lightRig rig="threePt" dir="t"/>
+    </dgm:scene3d>
+    <dgm:sp3d/>
+    <dgm:txPr/>
+    <dgm:style>
+      <a:lnRef idx="2">
+        <a:scrgbClr r="0" g="0" b="0"/>
+      </a:lnRef>
+      <a:fillRef idx="1">
+        <a:scrgbClr r="0" g="0" b="0"/>
+      </a:fillRef>
+      <a:effectRef idx="0">
+        <a:scrgbClr r="0" g="0" b="0"/>
+      </a:effectRef>
+      <a:fontRef idx="minor">
+        <a:schemeClr val="lt1"/>
+      </a:fontRef>
+    </dgm:style>
+  </dgm:styleLbl>
+  <dgm:styleLbl name="parChTrans2D1">
+    <dgm:scene3d>
+      <a:camera prst="orthographicFront"/>
+      <a:lightRig rig="threePt" dir="t"/>
+    </dgm:scene3d>
+    <dgm:sp3d/>
+    <dgm:txPr/>
+    <dgm:style>
+      <a:lnRef idx="2">
+        <a:scrgbClr r="0" g="0" b="0"/>
+      </a:lnRef>
+      <a:fillRef idx="1">
+        <a:scrgbClr r="0" g="0" b="0"/>
+      </a:fillRef>
+      <a:effectRef idx="0">
+        <a:scrgbClr r="0" g="0" b="0"/>
+      </a:effectRef>
+      <a:fontRef idx="minor">
+        <a:schemeClr val="lt1"/>
+      </a:fontRef>
+    </dgm:style>
+  </dgm:styleLbl>
+  <dgm:styleLbl name="parChTrans2D2">
+    <dgm:scene3d>
+      <a:camera prst="orthographicFront"/>
+      <a:lightRig rig="threePt" dir="t"/>
+    </dgm:scene3d>
+    <dgm:sp3d/>
+    <dgm:txPr/>
+    <dgm:style>
+      <a:lnRef idx="2">
+        <a:scrgbClr r="0" g="0" b="0"/>
+      </a:lnRef>
+      <a:fillRef idx="1">
+        <a:scrgbClr r="0" g="0" b="0"/>
+      </a:fillRef>
+      <a:effectRef idx="0">
+        <a:scrgbClr r="0" g="0" b="0"/>
+      </a:effectRef>
+      <a:fontRef idx="minor">
+        <a:schemeClr val="lt1"/>
+      </a:fontRef>
+    </dgm:style>
+  </dgm:styleLbl>
+  <dgm:styleLbl name="parChTrans2D3">
+    <dgm:scene3d>
+      <a:camera prst="orthographicFront"/>
+      <a:lightRig rig="threePt" dir="t"/>
+    </dgm:scene3d>
+    <dgm:sp3d/>
+    <dgm:txPr/>
+    <dgm:style>
+      <a:lnRef idx="2">
+        <a:scrgbClr r="0" g="0" b="0"/>
+      </a:lnRef>
+      <a:fillRef idx="1">
+        <a:scrgbClr r="0" g="0" b="0"/>
+      </a:fillRef>
+      <a:effectRef idx="0">
+        <a:scrgbClr r="0" g="0" b="0"/>
+      </a:effectRef>
+      <a:fontRef idx="minor">
+        <a:schemeClr val="lt1"/>
+      </a:fontRef>
+    </dgm:style>
+  </dgm:styleLbl>
+  <dgm:styleLbl name="parChTrans2D4">
+    <dgm:scene3d>
+      <a:camera prst="orthographicFront"/>
+      <a:lightRig rig="threePt" dir="t"/>
+    </dgm:scene3d>
+    <dgm:sp3d/>
+    <dgm:txPr/>
+    <dgm:style>
+      <a:lnRef idx="2">
+        <a:scrgbClr r="0" g="0" b="0"/>
+      </a:lnRef>
+      <a:fillRef idx="1">
+        <a:scrgbClr r="0" g="0" b="0"/>
+      </a:fillRef>
+      <a:effectRef idx="0">
+        <a:scrgbClr r="0" g="0" b="0"/>
+      </a:effectRef>
+      <a:fontRef idx="minor">
+        <a:schemeClr val="lt1"/>
+      </a:fontRef>
+    </dgm:style>
+  </dgm:styleLbl>
+  <dgm:styleLbl name="parChTrans1D1">
+    <dgm:scene3d>
+      <a:camera prst="orthographicFront"/>
+      <a:lightRig rig="threePt" dir="t"/>
+    </dgm:scene3d>
+    <dgm:sp3d/>
+    <dgm:txPr/>
+    <dgm:style>
+      <a:lnRef idx="2">
+        <a:scrgbClr r="0" g="0" b="0"/>
+      </a:lnRef>
+      <a:fillRef idx="0">
+        <a:scrgbClr r="0" g="0" b="0"/>
+      </a:fillRef>
+      <a:effectRef idx="0">
+        <a:scrgbClr r="0" g="0" b="0"/>
+      </a:effectRef>
+      <a:fontRef idx="minor"/>
+    </dgm:style>
+  </dgm:styleLbl>
+  <dgm:styleLbl name="parChTrans1D2">
+    <dgm:scene3d>
+      <a:camera prst="orthographicFront"/>
+      <a:lightRig rig="threePt" dir="t"/>
+    </dgm:scene3d>
+    <dgm:sp3d/>
+    <dgm:txPr/>
+    <dgm:style>
+      <a:lnRef idx="2">
+        <a:scrgbClr r="0" g="0" b="0"/>
+      </a:lnRef>
+      <a:fillRef idx="0">
+        <a:scrgbClr r="0" g="0" b="0"/>
+      </a:fillRef>
+      <a:effectRef idx="0">
+        <a:scrgbClr r="0" g="0" b="0"/>
+      </a:effectRef>
+      <a:fontRef idx="minor"/>
+    </dgm:style>
+  </dgm:styleLbl>
+  <dgm:styleLbl name="parChTrans1D3">
+    <dgm:scene3d>
+      <a:camera prst="orthographicFront"/>
+      <a:lightRig rig="threePt" dir="t"/>
+    </dgm:scene3d>
+    <dgm:sp3d/>
+    <dgm:txPr/>
+    <dgm:style>
+      <a:lnRef idx="2">
+        <a:scrgbClr r="0" g="0" b="0"/>
+      </a:lnRef>
+      <a:fillRef idx="0">
+        <a:scrgbClr r="0" g="0" b="0"/>
+      </a:fillRef>
+      <a:effectRef idx="0">
+        <a:scrgbClr r="0" g="0" b="0"/>
+      </a:effectRef>
+      <a:fontRef idx="minor"/>
+    </dgm:style>
+  </dgm:styleLbl>
+  <dgm:styleLbl name="parChTrans1D4">
+    <dgm:scene3d>
+      <a:camera prst="orthographicFront"/>
+      <a:lightRig rig="threePt" dir="t"/>
+    </dgm:scene3d>
+    <dgm:sp3d/>
+    <dgm:txPr/>
+    <dgm:style>
+      <a:lnRef idx="2">
+        <a:scrgbClr r="0" g="0" b="0"/>
+      </a:lnRef>
+      <a:fillRef idx="0">
+        <a:scrgbClr r="0" g="0" b="0"/>
+      </a:fillRef>
+      <a:effectRef idx="0">
+        <a:scrgbClr r="0" g="0" b="0"/>
+      </a:effectRef>
+      <a:fontRef idx="minor"/>
+    </dgm:style>
+  </dgm:styleLbl>
+  <dgm:styleLbl name="fgAcc1">
+    <dgm:scene3d>
+      <a:camera prst="orthographicFront"/>
+      <a:lightRig rig="threePt" dir="t"/>
+    </dgm:scene3d>
+    <dgm:sp3d/>
+    <dgm:txPr/>
+    <dgm:style>
+      <a:lnRef idx="2">
+        <a:scrgbClr r="0" g="0" b="0"/>
+      </a:lnRef>
+      <a:fillRef idx="1">
+        <a:scrgbClr r="0" g="0" b="0"/>
+      </a:fillRef>
+      <a:effectRef idx="0">
+        <a:scrgbClr r="0" g="0" b="0"/>
+      </a:effectRef>
+      <a:fontRef idx="minor"/>
+    </dgm:style>
+  </dgm:styleLbl>
+  <dgm:styleLbl name="conFgAcc1">
+    <dgm:scene3d>
+      <a:camera prst="orthographicFront"/>
+      <a:lightRig rig="threePt" dir="t"/>
+    </dgm:scene3d>
+    <dgm:sp3d/>
+    <dgm:txPr/>
+    <dgm:style>
+      <a:lnRef idx="2">
+        <a:scrgbClr r="0" g="0" b="0"/>
+      </a:lnRef>
+      <a:fillRef idx="1">
+        <a:scrgbClr r="0" g="0" b="0"/>
+      </a:fillRef>
+      <a:effectRef idx="0">
+        <a:scrgbClr r="0" g="0" b="0"/>
+      </a:effectRef>
+      <a:fontRef idx="minor"/>
+    </dgm:style>
+  </dgm:styleLbl>
+  <dgm:styleLbl name="alignAcc1">
+    <dgm:scene3d>
+      <a:camera prst="orthographicFront"/>
+      <a:lightRig rig="threePt" dir="t"/>
+    </dgm:scene3d>
+    <dgm:sp3d/>
+    <dgm:txPr/>
+    <dgm:style>
+      <a:lnRef idx="2">
+        <a:scrgbClr r="0" g="0" b="0"/>
+      </a:lnRef>
+      <a:fillRef idx="1">
+        <a:scrgbClr r="0" g="0" b="0"/>
+      </a:fillRef>
+      <a:effectRef idx="0">
+        <a:scrgbClr r="0" g="0" b="0"/>
+      </a:effectRef>
+      <a:fontRef idx="minor"/>
+    </dgm:style>
+  </dgm:styleLbl>
+  <dgm:styleLbl name="trAlignAcc1">
+    <dgm:scene3d>
+      <a:camera prst="orthographicFront"/>
+      <a:lightRig rig="threePt" dir="t"/>
+    </dgm:scene3d>
+    <dgm:sp3d/>
+    <dgm:txPr/>
+    <dgm:style>
+      <a:lnRef idx="1">
+        <a:scrgbClr r="0" g="0" b="0"/>
+      </a:lnRef>
+      <a:fillRef idx="1">
+        <a:scrgbClr r="0" g="0" b="0"/>
+      </a:fillRef>
+      <a:effectRef idx="0">
+        <a:scrgbClr r="0" g="0" b="0"/>
+      </a:effectRef>
+      <a:fontRef idx="minor"/>
+    </dgm:style>
+  </dgm:styleLbl>
+  <dgm:styleLbl name="bgAcc1">
+    <dgm:scene3d>
+      <a:camera prst="orthographicFront"/>
+      <a:lightRig rig="threePt" dir="t"/>
+    </dgm:scene3d>
+    <dgm:sp3d/>
+    <dgm:txPr/>
+    <dgm:style>
+      <a:lnRef idx="2">
+        <a:scrgbClr r="0" g="0" b="0"/>
+      </a:lnRef>
+      <a:fillRef idx="1">
+        <a:scrgbClr r="0" g="0" b="0"/>
+      </a:fillRef>
+      <a:effectRef idx="0">
+        <a:scrgbClr r="0" g="0" b="0"/>
+      </a:effectRef>
+      <a:fontRef idx="minor"/>
+    </dgm:style>
+  </dgm:styleLbl>
+  <dgm:styleLbl name="solidFgAcc1">
+    <dgm:scene3d>
+      <a:camera prst="orthographicFront"/>
+      <a:lightRig rig="threePt" dir="t"/>
+    </dgm:scene3d>
+    <dgm:sp3d/>
+    <dgm:txPr/>
+    <dgm:style>
+      <a:lnRef idx="2">
+        <a:scrgbClr r="0" g="0" b="0"/>
+      </a:lnRef>
+      <a:fillRef idx="1">
+        <a:scrgbClr r="0" g="0" b="0"/>
+      </a:fillRef>
+      <a:effectRef idx="0">
+        <a:scrgbClr r="0" g="0" b="0"/>
+      </a:effectRef>
+      <a:fontRef idx="minor"/>
+    </dgm:style>
+  </dgm:styleLbl>
+  <dgm:styleLbl name="solidAlignAcc1">
+    <dgm:scene3d>
+      <a:camera prst="orthographicFront"/>
+      <a:lightRig rig="threePt" dir="t"/>
+    </dgm:scene3d>
+    <dgm:sp3d/>
+    <dgm:txPr/>
+    <dgm:style>
+      <a:lnRef idx="2">
+        <a:scrgbClr r="0" g="0" b="0"/>
+      </a:lnRef>
+      <a:fillRef idx="1">
+        <a:scrgbClr r="0" g="0" b="0"/>
+      </a:fillRef>
+      <a:effectRef idx="0">
+        <a:scrgbClr r="0" g="0" b="0"/>
+      </a:effectRef>
+      <a:fontRef idx="minor"/>
+    </dgm:style>
+  </dgm:styleLbl>
+  <dgm:styleLbl name="solidBgAcc1">
+    <dgm:scene3d>
+      <a:camera prst="orthographicFront"/>
+      <a:lightRig rig="threePt" dir="t"/>
+    </dgm:scene3d>
+    <dgm:sp3d/>
+    <dgm:txPr/>
+    <dgm:style>
+      <a:lnRef idx="2">
+        <a:scrgbClr r="0" g="0" b="0"/>
+      </a:lnRef>
+      <a:fillRef idx="1">
+        <a:scrgbClr r="0" g="0" b="0"/>
+      </a:fillRef>
+      <a:effectRef idx="0">
+        <a:scrgbClr r="0" g="0" b="0"/>
+      </a:effectRef>
+      <a:fontRef idx="minor"/>
+    </dgm:style>
+  </dgm:styleLbl>
+  <dgm:styleLbl name="fgAccFollowNode1">
+    <dgm:scene3d>
+      <a:camera prst="orthographicFront"/>
+      <a:lightRig rig="threePt" dir="t"/>
+    </dgm:scene3d>
+    <dgm:sp3d/>
+    <dgm:txPr/>
+    <dgm:style>
+      <a:lnRef idx="2">
+        <a:scrgbClr r="0" g="0" b="0"/>
+      </a:lnRef>
+      <a:fillRef idx="1">
+        <a:scrgbClr r="0" g="0" b="0"/>
+      </a:fillRef>
+      <a:effectRef idx="0">
+        <a:scrgbClr r="0" g="0" b="0"/>
+      </a:effectRef>
+      <a:fontRef idx="minor"/>
+    </dgm:style>
+  </dgm:styleLbl>
+  <dgm:styleLbl name="alignAccFollowNode1">
+    <dgm:scene3d>
+      <a:camera prst="orthographicFront"/>
+      <a:lightRig rig="threePt" dir="t"/>
+    </dgm:scene3d>
+    <dgm:sp3d/>
+    <dgm:txPr/>
+    <dgm:style>
+      <a:lnRef idx="2">
+        <a:scrgbClr r="0" g="0" b="0"/>
+      </a:lnRef>
+      <a:fillRef idx="1">
+        <a:scrgbClr r="0" g="0" b="0"/>
+      </a:fillRef>
+      <a:effectRef idx="0">
+        <a:scrgbClr r="0" g="0" b="0"/>
+      </a:effectRef>
+      <a:fontRef idx="minor"/>
+    </dgm:style>
+  </dgm:styleLbl>
+  <dgm:styleLbl name="bgAccFollowNode1">
+    <dgm:scene3d>
+      <a:camera prst="orthographicFront"/>
+      <a:lightRig rig="threePt" dir="t"/>
+    </dgm:scene3d>
+    <dgm:sp3d/>
+    <dgm:txPr/>
+    <dgm:style>
+      <a:lnRef idx="2">
+        <a:scrgbClr r="0" g="0" b="0"/>
+      </a:lnRef>
+      <a:fillRef idx="1">
+        <a:scrgbClr r="0" g="0" b="0"/>
+      </a:fillRef>
+      <a:effectRef idx="0">
+        <a:scrgbClr r="0" g="0" b="0"/>
+      </a:effectRef>
+      <a:fontRef idx="minor"/>
+    </dgm:style>
+  </dgm:styleLbl>
+  <dgm:styleLbl name="fgAcc0">
+    <dgm:scene3d>
+      <a:camera prst="orthographicFront"/>
+      <a:lightRig rig="threePt" dir="t"/>
+    </dgm:scene3d>
+    <dgm:sp3d/>
+    <dgm:txPr/>
+    <dgm:style>
+      <a:lnRef idx="2">
+        <a:scrgbClr r="0" g="0" b="0"/>
+      </a:lnRef>
+      <a:fillRef idx="1">
+        <a:scrgbClr r="0" g="0" b="0"/>
+      </a:fillRef>
+      <a:effectRef idx="0">
+        <a:scrgbClr r="0" g="0" b="0"/>
+      </a:effectRef>
+      <a:fontRef idx="minor"/>
+    </dgm:style>
+  </dgm:styleLbl>
+  <dgm:styleLbl name="fgAcc2">
+    <dgm:scene3d>
+      <a:camera prst="orthographicFront"/>
+      <a:lightRig rig="threePt" dir="t"/>
+    </dgm:scene3d>
+    <dgm:sp3d/>
+    <dgm:txPr/>
+    <dgm:style>
+      <a:lnRef idx="2">
+        <a:scrgbClr r="0" g="0" b="0"/>
+      </a:lnRef>
+      <a:fillRef idx="1">
+        <a:scrgbClr r="0" g="0" b="0"/>
+      </a:fillRef>
+      <a:effectRef idx="0">
+        <a:scrgbClr r="0" g="0" b="0"/>
+      </a:effectRef>
+      <a:fontRef idx="minor"/>
+    </dgm:style>
+  </dgm:styleLbl>
+  <dgm:styleLbl name="fgAcc3">
+    <dgm:scene3d>
+      <a:camera prst="orthographicFront"/>
+      <a:lightRig rig="threePt" dir="t"/>
+    </dgm:scene3d>
+    <dgm:sp3d/>
+    <dgm:txPr/>
+    <dgm:style>
+      <a:lnRef idx="2">
+        <a:scrgbClr r="0" g="0" b="0"/>
+      </a:lnRef>
+      <a:fillRef idx="1">
+        <a:scrgbClr r="0" g="0" b="0"/>
+      </a:fillRef>
+      <a:effectRef idx="0">
+        <a:scrgbClr r="0" g="0" b="0"/>
+      </a:effectRef>
+      <a:fontRef idx="minor"/>
+    </dgm:style>
+  </dgm:styleLbl>
+  <dgm:styleLbl name="fgAcc4">
+    <dgm:scene3d>
+      <a:camera prst="orthographicFront"/>
+      <a:lightRig rig="threePt" dir="t"/>
+    </dgm:scene3d>
+    <dgm:sp3d/>
+    <dgm:txPr/>
+    <dgm:style>
+      <a:lnRef idx="2">
+        <a:scrgbClr r="0" g="0" b="0"/>
+      </a:lnRef>
+      <a:fillRef idx="1">
+        <a:scrgbClr r="0" g="0" b="0"/>
+      </a:fillRef>
+      <a:effectRef idx="0">
+        <a:scrgbClr r="0" g="0" b="0"/>
+      </a:effectRef>
+      <a:fontRef idx="minor"/>
+    </dgm:style>
+  </dgm:styleLbl>
+  <dgm:styleLbl name="bgShp">
+    <dgm:scene3d>
+      <a:camera prst="orthographicFront"/>
+      <a:lightRig rig="threePt" dir="t"/>
+    </dgm:scene3d>
+    <dgm:sp3d/>
+    <dgm:txPr/>
+    <dgm:style>
+      <a:lnRef idx="0">
+        <a:scrgbClr r="0" g="0" b="0"/>
+      </a:lnRef>
+      <a:fillRef idx="1">
+        <a:scrgbClr r="0" g="0" b="0"/>
+      </a:fillRef>
+      <a:effectRef idx="0">
+        <a:scrgbClr r="0" g="0" b="0"/>
+      </a:effectRef>
+      <a:fontRef idx="minor"/>
+    </dgm:style>
+  </dgm:styleLbl>
+  <dgm:styleLbl name="dkBgShp">
+    <dgm:scene3d>
+      <a:camera prst="orthographicFront"/>
+      <a:lightRig rig="threePt" dir="t"/>
+    </dgm:scene3d>
+    <dgm:sp3d/>
+    <dgm:txPr/>
+    <dgm:style>
+      <a:lnRef idx="0">
+        <a:scrgbClr r="0" g="0" b="0"/>
+      </a:lnRef>
+      <a:fillRef idx="1">
+        <a:scrgbClr r="0" g="0" b="0"/>
+      </a:fillRef>
+      <a:effectRef idx="0">
+        <a:scrgbClr r="0" g="0" b="0"/>
+      </a:effectRef>
+      <a:fontRef idx="minor"/>
+    </dgm:style>
+  </dgm:styleLbl>
+  <dgm:styleLbl name="trBgShp">
+    <dgm:scene3d>
+      <a:camera prst="orthographicFront"/>
+      <a:lightRig rig="threePt" dir="t"/>
+    </dgm:scene3d>
+    <dgm:sp3d/>
+    <dgm:txPr/>
+    <dgm:style>
+      <a:lnRef idx="0">
+        <a:scrgbClr r="0" g="0" b="0"/>
+      </a:lnRef>
+      <a:fillRef idx="1">
+        <a:scrgbClr r="0" g="0" b="0"/>
+      </a:fillRef>
+      <a:effectRef idx="0">
+        <a:scrgbClr r="0" g="0" b="0"/>
+      </a:effectRef>
+      <a:fontRef idx="minor"/>
+    </dgm:style>
+  </dgm:styleLbl>
+  <dgm:styleLbl name="fgShp">
+    <dgm:scene3d>
+      <a:camera prst="orthographicFront"/>
+      <a:lightRig rig="threePt" dir="t"/>
+    </dgm:scene3d>
+    <dgm:sp3d/>
+    <dgm:txPr/>
+    <dgm:style>
+      <a:lnRef idx="2">
+        <a:scrgbClr r="0" g="0" b="0"/>
+      </a:lnRef>
+      <a:fillRef idx="1">
+        <a:scrgbClr r="0" g="0" b="0"/>
+      </a:fillRef>
+      <a:effectRef idx="0">
+        <a:scrgbClr r="0" g="0" b="0"/>
+      </a:effectRef>
+      <a:fontRef idx="minor"/>
+    </dgm:style>
+  </dgm:styleLbl>
+  <dgm:styleLbl name="revTx">
+    <dgm:scene3d>
+      <a:camera prst="orthographicFront"/>
+      <a:lightRig rig="threePt" dir="t"/>
+    </dgm:scene3d>
+    <dgm:sp3d/>
+    <dgm:txPr/>
+    <dgm:style>
+      <a:lnRef idx="0">
+        <a:scrgbClr r="0" g="0" b="0"/>
+      </a:lnRef>
+      <a:fillRef idx="0">
+        <a:scrgbClr r="0" g="0" b="0"/>
+      </a:fillRef>
+      <a:effectRef idx="0">
+        <a:scrgbClr r="0" g="0" b="0"/>
+      </a:effectRef>
+      <a:fontRef idx="minor"/>
+    </dgm:style>
+  </dgm:styleLbl>
+</dgm:styleDef>
+</file>
+
 <file path=ppt/slideLayouts/slideLayout1.xml><?xml version="1.0" encoding="utf-8"?>
 <p:sldLayout xmlns:a="http://schemas.openxmlformats.org/drawingml/2006/main" xmlns:r="http://schemas.openxmlformats.org/officeDocument/2006/relationships" xmlns:p="http://schemas.openxmlformats.org/presentationml/2006/main" type="title" preserve="1">
   <p:cSld name="Title Slide">
@@ -263,7 +2976,7 @@
           <a:p>
             <a:fld id="{B90DB37A-D407-2D4E-960B-4BBBC2D3C59C}" type="datetimeFigureOut">
               <a:rPr lang="en-US" smtClean="0"/>
-              <a:t>12/23/20</a:t>
+              <a:t>12/30/2020</a:t>
             </a:fld>
             <a:endParaRPr lang="en-US"/>
           </a:p>
@@ -461,7 +3174,7 @@
           <a:p>
             <a:fld id="{B90DB37A-D407-2D4E-960B-4BBBC2D3C59C}" type="datetimeFigureOut">
               <a:rPr lang="en-US" smtClean="0"/>
-              <a:t>12/23/20</a:t>
+              <a:t>12/30/2020</a:t>
             </a:fld>
             <a:endParaRPr lang="en-US"/>
           </a:p>
@@ -669,7 +3382,7 @@
           <a:p>
             <a:fld id="{B90DB37A-D407-2D4E-960B-4BBBC2D3C59C}" type="datetimeFigureOut">
               <a:rPr lang="en-US" smtClean="0"/>
-              <a:t>12/23/20</a:t>
+              <a:t>12/30/2020</a:t>
             </a:fld>
             <a:endParaRPr lang="en-US"/>
           </a:p>
@@ -867,7 +3580,7 @@
           <a:p>
             <a:fld id="{B90DB37A-D407-2D4E-960B-4BBBC2D3C59C}" type="datetimeFigureOut">
               <a:rPr lang="en-US" smtClean="0"/>
-              <a:t>12/23/20</a:t>
+              <a:t>12/30/2020</a:t>
             </a:fld>
             <a:endParaRPr lang="en-US"/>
           </a:p>
@@ -1142,7 +3855,7 @@
           <a:p>
             <a:fld id="{B90DB37A-D407-2D4E-960B-4BBBC2D3C59C}" type="datetimeFigureOut">
               <a:rPr lang="en-US" smtClean="0"/>
-              <a:t>12/23/20</a:t>
+              <a:t>12/30/2020</a:t>
             </a:fld>
             <a:endParaRPr lang="en-US"/>
           </a:p>
@@ -1407,7 +4120,7 @@
           <a:p>
             <a:fld id="{B90DB37A-D407-2D4E-960B-4BBBC2D3C59C}" type="datetimeFigureOut">
               <a:rPr lang="en-US" smtClean="0"/>
-              <a:t>12/23/20</a:t>
+              <a:t>12/30/2020</a:t>
             </a:fld>
             <a:endParaRPr lang="en-US"/>
           </a:p>
@@ -1819,7 +4532,7 @@
           <a:p>
             <a:fld id="{B90DB37A-D407-2D4E-960B-4BBBC2D3C59C}" type="datetimeFigureOut">
               <a:rPr lang="en-US" smtClean="0"/>
-              <a:t>12/23/20</a:t>
+              <a:t>12/30/2020</a:t>
             </a:fld>
             <a:endParaRPr lang="en-US"/>
           </a:p>
@@ -1960,7 +4673,7 @@
           <a:p>
             <a:fld id="{B90DB37A-D407-2D4E-960B-4BBBC2D3C59C}" type="datetimeFigureOut">
               <a:rPr lang="en-US" smtClean="0"/>
-              <a:t>12/23/20</a:t>
+              <a:t>12/30/2020</a:t>
             </a:fld>
             <a:endParaRPr lang="en-US"/>
           </a:p>
@@ -2073,7 +4786,7 @@
           <a:p>
             <a:fld id="{B90DB37A-D407-2D4E-960B-4BBBC2D3C59C}" type="datetimeFigureOut">
               <a:rPr lang="en-US" smtClean="0"/>
-              <a:t>12/23/20</a:t>
+              <a:t>12/30/2020</a:t>
             </a:fld>
             <a:endParaRPr lang="en-US"/>
           </a:p>
@@ -2384,7 +5097,7 @@
           <a:p>
             <a:fld id="{B90DB37A-D407-2D4E-960B-4BBBC2D3C59C}" type="datetimeFigureOut">
               <a:rPr lang="en-US" smtClean="0"/>
-              <a:t>12/23/20</a:t>
+              <a:t>12/30/2020</a:t>
             </a:fld>
             <a:endParaRPr lang="en-US"/>
           </a:p>
@@ -2672,7 +5385,7 @@
           <a:p>
             <a:fld id="{B90DB37A-D407-2D4E-960B-4BBBC2D3C59C}" type="datetimeFigureOut">
               <a:rPr lang="en-US" smtClean="0"/>
-              <a:t>12/23/20</a:t>
+              <a:t>12/30/2020</a:t>
             </a:fld>
             <a:endParaRPr lang="en-US"/>
           </a:p>
@@ -2913,7 +5626,7 @@
           <a:p>
             <a:fld id="{B90DB37A-D407-2D4E-960B-4BBBC2D3C59C}" type="datetimeFigureOut">
               <a:rPr lang="en-US" smtClean="0"/>
-              <a:t>12/23/20</a:t>
+              <a:t>12/30/2020</a:t>
             </a:fld>
             <a:endParaRPr lang="en-US"/>
           </a:p>
@@ -3412,6 +6125,89 @@
       </p:grpSpPr>
       <p:sp>
         <p:nvSpPr>
+          <p:cNvPr id="2" name="Title 1">
+            <a:extLst>
+              <a:ext uri="{FF2B5EF4-FFF2-40B4-BE49-F238E27FC236}">
+                <a16:creationId xmlns:a16="http://schemas.microsoft.com/office/drawing/2014/main" id="{272BC620-F5F5-4C67-B1BA-5D6951D56A78}"/>
+              </a:ext>
+            </a:extLst>
+          </p:cNvPr>
+          <p:cNvSpPr>
+            <a:spLocks noGrp="1"/>
+          </p:cNvSpPr>
+          <p:nvPr>
+            <p:ph type="title"/>
+          </p:nvPr>
+        </p:nvSpPr>
+        <p:spPr/>
+        <p:txBody>
+          <a:bodyPr/>
+          <a:lstStyle/>
+          <a:p>
+            <a:endParaRPr lang="en-US"/>
+          </a:p>
+        </p:txBody>
+      </p:sp>
+      <p:graphicFrame>
+        <p:nvGraphicFramePr>
+          <p:cNvPr id="4" name="Diagram 3">
+            <a:extLst>
+              <a:ext uri="{FF2B5EF4-FFF2-40B4-BE49-F238E27FC236}">
+                <a16:creationId xmlns:a16="http://schemas.microsoft.com/office/drawing/2014/main" id="{432C253A-30BA-432C-8905-3DEC4424DC86}"/>
+              </a:ext>
+            </a:extLst>
+          </p:cNvPr>
+          <p:cNvGraphicFramePr/>
+          <p:nvPr>
+            <p:extLst>
+              <p:ext uri="{D42A27DB-BD31-4B8C-83A1-F6EECF244321}">
+                <p14:modId xmlns:p14="http://schemas.microsoft.com/office/powerpoint/2010/main" val="3292568606"/>
+              </p:ext>
+            </p:extLst>
+          </p:nvPr>
+        </p:nvGraphicFramePr>
+        <p:xfrm>
+          <a:off x="2032000" y="719666"/>
+          <a:ext cx="8128000" cy="5418667"/>
+        </p:xfrm>
+        <a:graphic>
+          <a:graphicData uri="http://schemas.openxmlformats.org/drawingml/2006/diagram">
+            <dgm:relIds xmlns:dgm="http://schemas.openxmlformats.org/drawingml/2006/diagram" xmlns:r="http://schemas.openxmlformats.org/officeDocument/2006/relationships" r:dm="rId2" r:lo="rId3" r:qs="rId4" r:cs="rId5"/>
+          </a:graphicData>
+        </a:graphic>
+      </p:graphicFrame>
+    </p:spTree>
+    <p:extLst>
+      <p:ext uri="{BB962C8B-B14F-4D97-AF65-F5344CB8AC3E}">
+        <p14:creationId xmlns:p14="http://schemas.microsoft.com/office/powerpoint/2010/main" val="825391293"/>
+      </p:ext>
+    </p:extLst>
+  </p:cSld>
+  <p:clrMapOvr>
+    <a:masterClrMapping/>
+  </p:clrMapOvr>
+</p:sld>
+</file>
+
+<file path=ppt/slides/slide3.xml><?xml version="1.0" encoding="utf-8"?>
+<p:sld xmlns:a="http://schemas.openxmlformats.org/drawingml/2006/main" xmlns:r="http://schemas.openxmlformats.org/officeDocument/2006/relationships" xmlns:p="http://schemas.openxmlformats.org/presentationml/2006/main">
+  <p:cSld>
+    <p:spTree>
+      <p:nvGrpSpPr>
+        <p:cNvPr id="1" name=""/>
+        <p:cNvGrpSpPr/>
+        <p:nvPr/>
+      </p:nvGrpSpPr>
+      <p:grpSpPr>
+        <a:xfrm>
+          <a:off x="0" y="0"/>
+          <a:ext cx="0" cy="0"/>
+          <a:chOff x="0" y="0"/>
+          <a:chExt cx="0" cy="0"/>
+        </a:xfrm>
+      </p:grpSpPr>
+      <p:sp>
+        <p:nvSpPr>
           <p:cNvPr id="6" name="Rectangle 5">
             <a:extLst>
               <a:ext uri="{FF2B5EF4-FFF2-40B4-BE49-F238E27FC236}">
@@ -3909,7 +6705,7 @@
 </p:sld>
 </file>
 
-<file path=ppt/slides/slide3.xml><?xml version="1.0" encoding="utf-8"?>
+<file path=ppt/slides/slide4.xml><?xml version="1.0" encoding="utf-8"?>
 <p:sld xmlns:a="http://schemas.openxmlformats.org/drawingml/2006/main" xmlns:r="http://schemas.openxmlformats.org/officeDocument/2006/relationships" xmlns:p="http://schemas.openxmlformats.org/presentationml/2006/main">
   <p:cSld>
     <p:spTree>
@@ -4571,7 +7367,7 @@
 </p:sld>
 </file>
 
-<file path=ppt/slides/slide4.xml><?xml version="1.0" encoding="utf-8"?>
+<file path=ppt/slides/slide5.xml><?xml version="1.0" encoding="utf-8"?>
 <p:sld xmlns:a="http://schemas.openxmlformats.org/drawingml/2006/main" xmlns:r="http://schemas.openxmlformats.org/officeDocument/2006/relationships" xmlns:p="http://schemas.openxmlformats.org/presentationml/2006/main">
   <p:cSld>
     <p:spTree>
@@ -7079,7 +9875,7 @@
 </p:sld>
 </file>
 
-<file path=ppt/slides/slide5.xml><?xml version="1.0" encoding="utf-8"?>
+<file path=ppt/slides/slide6.xml><?xml version="1.0" encoding="utf-8"?>
 <p:sld xmlns:a="http://schemas.openxmlformats.org/drawingml/2006/main" xmlns:r="http://schemas.openxmlformats.org/officeDocument/2006/relationships" xmlns:p="http://schemas.openxmlformats.org/presentationml/2006/main">
   <p:cSld>
     <p:spTree>
